--- a/building icons.pptx
+++ b/building icons.pptx
@@ -6,6 +6,7 @@
   </p:sldMasterIdLst>
   <p:sldIdLst>
     <p:sldId id="256" r:id="rId2"/>
+    <p:sldId id="257" r:id="rId3"/>
   </p:sldIdLst>
   <p:sldSz cx="12192000" cy="6858000"/>
   <p:notesSz cx="6858000" cy="9144000"/>
@@ -5801,6 +5802,2331 @@
 </p:sld>
 </file>
 
+<file path=ppt/slides/slide2.xml><?xml version="1.0" encoding="utf-8"?>
+<p:sld xmlns:a="http://schemas.openxmlformats.org/drawingml/2006/main" xmlns:r="http://schemas.openxmlformats.org/officeDocument/2006/relationships" xmlns:p="http://schemas.openxmlformats.org/presentationml/2006/main">
+  <p:cSld>
+    <p:spTree>
+      <p:nvGrpSpPr>
+        <p:cNvPr id="1" name=""/>
+        <p:cNvGrpSpPr/>
+        <p:nvPr/>
+      </p:nvGrpSpPr>
+      <p:grpSpPr>
+        <a:xfrm>
+          <a:off x="0" y="0"/>
+          <a:ext cx="0" cy="0"/>
+          <a:chOff x="0" y="0"/>
+          <a:chExt cx="0" cy="0"/>
+        </a:xfrm>
+      </p:grpSpPr>
+      <p:graphicFrame>
+        <p:nvGraphicFramePr>
+          <p:cNvPr id="5" name="表格 4">
+            <a:extLst>
+              <a:ext uri="{FF2B5EF4-FFF2-40B4-BE49-F238E27FC236}">
+                <a16:creationId xmlns:a16="http://schemas.microsoft.com/office/drawing/2014/main" id="{ABB2C47C-DACA-4FFE-9E6B-B9BD41F0E06D}"/>
+              </a:ext>
+            </a:extLst>
+          </p:cNvPr>
+          <p:cNvGraphicFramePr>
+            <a:graphicFrameLocks noGrp="1"/>
+          </p:cNvGraphicFramePr>
+          <p:nvPr>
+            <p:extLst>
+              <p:ext uri="{D42A27DB-BD31-4B8C-83A1-F6EECF244321}">
+                <p14:modId xmlns:p14="http://schemas.microsoft.com/office/powerpoint/2010/main" val="1592083593"/>
+              </p:ext>
+            </p:extLst>
+          </p:nvPr>
+        </p:nvGraphicFramePr>
+        <p:xfrm>
+          <a:off x="416560" y="375920"/>
+          <a:ext cx="11338560" cy="6106163"/>
+        </p:xfrm>
+        <a:graphic>
+          <a:graphicData uri="http://schemas.openxmlformats.org/drawingml/2006/table">
+            <a:tbl>
+              <a:tblPr firstRow="1" firstCol="1" bandRow="1"/>
+              <a:tblGrid>
+                <a:gridCol w="2641218">
+                  <a:extLst>
+                    <a:ext uri="{9D8B030D-6E8A-4147-A177-3AD203B41FA5}">
+                      <a16:colId xmlns:a16="http://schemas.microsoft.com/office/drawing/2014/main" val="381841663"/>
+                    </a:ext>
+                  </a:extLst>
+                </a:gridCol>
+                <a:gridCol w="1859662">
+                  <a:extLst>
+                    <a:ext uri="{9D8B030D-6E8A-4147-A177-3AD203B41FA5}">
+                      <a16:colId xmlns:a16="http://schemas.microsoft.com/office/drawing/2014/main" val="1612208608"/>
+                    </a:ext>
+                  </a:extLst>
+                </a:gridCol>
+                <a:gridCol w="1737360">
+                  <a:extLst>
+                    <a:ext uri="{9D8B030D-6E8A-4147-A177-3AD203B41FA5}">
+                      <a16:colId xmlns:a16="http://schemas.microsoft.com/office/drawing/2014/main" val="2284258013"/>
+                    </a:ext>
+                  </a:extLst>
+                </a:gridCol>
+                <a:gridCol w="5100320">
+                  <a:extLst>
+                    <a:ext uri="{9D8B030D-6E8A-4147-A177-3AD203B41FA5}">
+                      <a16:colId xmlns:a16="http://schemas.microsoft.com/office/drawing/2014/main" val="4291712559"/>
+                    </a:ext>
+                  </a:extLst>
+                </a:gridCol>
+              </a:tblGrid>
+              <a:tr h="872309">
+                <a:tc>
+                  <a:txBody>
+                    <a:bodyPr/>
+                    <a:lstStyle/>
+                    <a:p>
+                      <a:pPr algn="just">
+                        <a:spcAft>
+                          <a:spcPts val="0"/>
+                        </a:spcAft>
+                      </a:pPr>
+                      <a:r>
+                        <a:rPr lang="en-US" sz="2400" b="1" kern="100">
+                          <a:effectLst/>
+                          <a:latin typeface="Calibri" panose="020F0502020204030204" pitchFamily="34" charset="0"/>
+                          <a:ea typeface="等线" panose="02010600030101010101" pitchFamily="2" charset="-122"/>
+                          <a:cs typeface="Calibri" panose="020F0502020204030204" pitchFamily="34" charset="0"/>
+                        </a:rPr>
+                        <a:t>House Type</a:t>
+                      </a:r>
+                      <a:endParaRPr lang="zh-CN" sz="2400" kern="100">
+                        <a:effectLst/>
+                        <a:latin typeface="Calibri" panose="020F0502020204030204" pitchFamily="34" charset="0"/>
+                        <a:ea typeface="等线" panose="02010600030101010101" pitchFamily="2" charset="-122"/>
+                        <a:cs typeface="Calibri" panose="020F0502020204030204" pitchFamily="34" charset="0"/>
+                      </a:endParaRPr>
+                    </a:p>
+                  </a:txBody>
+                  <a:tcPr marL="68580" marR="68580" marT="0" marB="0">
+                    <a:lnL w="12700" cap="flat" cmpd="sng" algn="ctr">
+                      <a:solidFill>
+                        <a:srgbClr val="000000"/>
+                      </a:solidFill>
+                      <a:prstDash val="solid"/>
+                      <a:round/>
+                      <a:headEnd type="none" w="med" len="med"/>
+                      <a:tailEnd type="none" w="med" len="med"/>
+                    </a:lnL>
+                    <a:lnR w="12700" cap="flat" cmpd="sng" algn="ctr">
+                      <a:solidFill>
+                        <a:srgbClr val="000000"/>
+                      </a:solidFill>
+                      <a:prstDash val="solid"/>
+                      <a:round/>
+                      <a:headEnd type="none" w="med" len="med"/>
+                      <a:tailEnd type="none" w="med" len="med"/>
+                    </a:lnR>
+                    <a:lnT w="12700" cap="flat" cmpd="sng" algn="ctr">
+                      <a:solidFill>
+                        <a:srgbClr val="000000"/>
+                      </a:solidFill>
+                      <a:prstDash val="solid"/>
+                      <a:round/>
+                      <a:headEnd type="none" w="med" len="med"/>
+                      <a:tailEnd type="none" w="med" len="med"/>
+                    </a:lnT>
+                    <a:lnB w="12700" cap="flat" cmpd="sng" algn="ctr">
+                      <a:solidFill>
+                        <a:srgbClr val="000000"/>
+                      </a:solidFill>
+                      <a:prstDash val="solid"/>
+                      <a:round/>
+                      <a:headEnd type="none" w="med" len="med"/>
+                      <a:tailEnd type="none" w="med" len="med"/>
+                    </a:lnB>
+                  </a:tcPr>
+                </a:tc>
+                <a:tc>
+                  <a:txBody>
+                    <a:bodyPr/>
+                    <a:lstStyle/>
+                    <a:p>
+                      <a:pPr algn="just">
+                        <a:spcAft>
+                          <a:spcPts val="0"/>
+                        </a:spcAft>
+                      </a:pPr>
+                      <a:r>
+                        <a:rPr lang="en-US" sz="2400" b="1" kern="100">
+                          <a:effectLst/>
+                          <a:latin typeface="Calibri" panose="020F0502020204030204" pitchFamily="34" charset="0"/>
+                          <a:ea typeface="等线" panose="02010600030101010101" pitchFamily="2" charset="-122"/>
+                          <a:cs typeface="Calibri" panose="020F0502020204030204" pitchFamily="34" charset="0"/>
+                        </a:rPr>
+                        <a:t>Level 1</a:t>
+                      </a:r>
+                      <a:endParaRPr lang="zh-CN" sz="2400" kern="100">
+                        <a:effectLst/>
+                        <a:latin typeface="Calibri" panose="020F0502020204030204" pitchFamily="34" charset="0"/>
+                        <a:ea typeface="等线" panose="02010600030101010101" pitchFamily="2" charset="-122"/>
+                        <a:cs typeface="Calibri" panose="020F0502020204030204" pitchFamily="34" charset="0"/>
+                      </a:endParaRPr>
+                    </a:p>
+                  </a:txBody>
+                  <a:tcPr marL="68580" marR="68580" marT="0" marB="0">
+                    <a:lnL w="12700" cap="flat" cmpd="sng" algn="ctr">
+                      <a:solidFill>
+                        <a:srgbClr val="000000"/>
+                      </a:solidFill>
+                      <a:prstDash val="solid"/>
+                      <a:round/>
+                      <a:headEnd type="none" w="med" len="med"/>
+                      <a:tailEnd type="none" w="med" len="med"/>
+                    </a:lnL>
+                    <a:lnR w="12700" cap="flat" cmpd="sng" algn="ctr">
+                      <a:solidFill>
+                        <a:srgbClr val="000000"/>
+                      </a:solidFill>
+                      <a:prstDash val="solid"/>
+                      <a:round/>
+                      <a:headEnd type="none" w="med" len="med"/>
+                      <a:tailEnd type="none" w="med" len="med"/>
+                    </a:lnR>
+                    <a:lnT w="12700" cap="flat" cmpd="sng" algn="ctr">
+                      <a:solidFill>
+                        <a:srgbClr val="000000"/>
+                      </a:solidFill>
+                      <a:prstDash val="solid"/>
+                      <a:round/>
+                      <a:headEnd type="none" w="med" len="med"/>
+                      <a:tailEnd type="none" w="med" len="med"/>
+                    </a:lnT>
+                    <a:lnB w="12700" cap="flat" cmpd="sng" algn="ctr">
+                      <a:solidFill>
+                        <a:srgbClr val="000000"/>
+                      </a:solidFill>
+                      <a:prstDash val="solid"/>
+                      <a:round/>
+                      <a:headEnd type="none" w="med" len="med"/>
+                      <a:tailEnd type="none" w="med" len="med"/>
+                    </a:lnB>
+                  </a:tcPr>
+                </a:tc>
+                <a:tc>
+                  <a:txBody>
+                    <a:bodyPr/>
+                    <a:lstStyle/>
+                    <a:p>
+                      <a:pPr algn="ctr">
+                        <a:spcAft>
+                          <a:spcPts val="0"/>
+                        </a:spcAft>
+                      </a:pPr>
+                      <a:r>
+                        <a:rPr lang="zh-CN" altLang="en-US" sz="2400" kern="100" dirty="0">
+                          <a:effectLst/>
+                          <a:latin typeface="Calibri" panose="020F0502020204030204" pitchFamily="34" charset="0"/>
+                          <a:ea typeface="等线" panose="02010600030101010101" pitchFamily="2" charset="-122"/>
+                          <a:cs typeface="Calibri" panose="020F0502020204030204" pitchFamily="34" charset="0"/>
+                        </a:rPr>
+                        <a:t>占</a:t>
+                      </a:r>
+                      <a:r>
+                        <a:rPr lang="en-US" altLang="zh-CN" sz="2400" kern="100" dirty="0">
+                          <a:effectLst/>
+                          <a:latin typeface="Calibri" panose="020F0502020204030204" pitchFamily="34" charset="0"/>
+                          <a:ea typeface="等线" panose="02010600030101010101" pitchFamily="2" charset="-122"/>
+                          <a:cs typeface="Calibri" panose="020F0502020204030204" pitchFamily="34" charset="0"/>
+                        </a:rPr>
+                        <a:t>tile</a:t>
+                      </a:r>
+                      <a:r>
+                        <a:rPr lang="zh-CN" altLang="en-US" sz="2400" kern="100" dirty="0">
+                          <a:effectLst/>
+                          <a:latin typeface="Calibri" panose="020F0502020204030204" pitchFamily="34" charset="0"/>
+                          <a:ea typeface="等线" panose="02010600030101010101" pitchFamily="2" charset="-122"/>
+                          <a:cs typeface="Calibri" panose="020F0502020204030204" pitchFamily="34" charset="0"/>
+                        </a:rPr>
+                        <a:t>数量</a:t>
+                      </a:r>
+                      <a:endParaRPr lang="zh-CN" sz="2400" kern="100" dirty="0">
+                        <a:effectLst/>
+                        <a:latin typeface="Calibri" panose="020F0502020204030204" pitchFamily="34" charset="0"/>
+                        <a:ea typeface="等线" panose="02010600030101010101" pitchFamily="2" charset="-122"/>
+                        <a:cs typeface="Calibri" panose="020F0502020204030204" pitchFamily="34" charset="0"/>
+                      </a:endParaRPr>
+                    </a:p>
+                  </a:txBody>
+                  <a:tcPr marL="68580" marR="68580" marT="0" marB="0">
+                    <a:lnL w="12700" cap="flat" cmpd="sng" algn="ctr">
+                      <a:solidFill>
+                        <a:srgbClr val="000000"/>
+                      </a:solidFill>
+                      <a:prstDash val="solid"/>
+                      <a:round/>
+                      <a:headEnd type="none" w="med" len="med"/>
+                      <a:tailEnd type="none" w="med" len="med"/>
+                    </a:lnL>
+                    <a:lnR w="12700" cap="flat" cmpd="sng" algn="ctr">
+                      <a:solidFill>
+                        <a:srgbClr val="000000"/>
+                      </a:solidFill>
+                      <a:prstDash val="solid"/>
+                      <a:round/>
+                      <a:headEnd type="none" w="med" len="med"/>
+                      <a:tailEnd type="none" w="med" len="med"/>
+                    </a:lnR>
+                    <a:lnT w="12700" cap="flat" cmpd="sng" algn="ctr">
+                      <a:solidFill>
+                        <a:srgbClr val="000000"/>
+                      </a:solidFill>
+                      <a:prstDash val="solid"/>
+                      <a:round/>
+                      <a:headEnd type="none" w="med" len="med"/>
+                      <a:tailEnd type="none" w="med" len="med"/>
+                    </a:lnT>
+                    <a:lnB w="12700" cap="flat" cmpd="sng" algn="ctr">
+                      <a:solidFill>
+                        <a:srgbClr val="000000"/>
+                      </a:solidFill>
+                      <a:prstDash val="solid"/>
+                      <a:round/>
+                      <a:headEnd type="none" w="med" len="med"/>
+                      <a:tailEnd type="none" w="med" len="med"/>
+                    </a:lnB>
+                  </a:tcPr>
+                </a:tc>
+                <a:tc>
+                  <a:txBody>
+                    <a:bodyPr/>
+                    <a:lstStyle/>
+                    <a:p>
+                      <a:pPr algn="ctr">
+                        <a:spcAft>
+                          <a:spcPts val="0"/>
+                        </a:spcAft>
+                      </a:pPr>
+                      <a:r>
+                        <a:rPr lang="en-US" altLang="zh-CN" sz="2400" kern="100" dirty="0" err="1">
+                          <a:effectLst/>
+                          <a:latin typeface="Calibri" panose="020F0502020204030204" pitchFamily="34" charset="0"/>
+                          <a:ea typeface="等线" panose="02010600030101010101" pitchFamily="2" charset="-122"/>
+                          <a:cs typeface="Calibri" panose="020F0502020204030204" pitchFamily="34" charset="0"/>
+                        </a:rPr>
+                        <a:t>Tilecell</a:t>
+                      </a:r>
+                      <a:r>
+                        <a:rPr lang="zh-CN" altLang="en-US" sz="2400" kern="100" dirty="0">
+                          <a:effectLst/>
+                          <a:latin typeface="Calibri" panose="020F0502020204030204" pitchFamily="34" charset="0"/>
+                          <a:ea typeface="等线" panose="02010600030101010101" pitchFamily="2" charset="-122"/>
+                          <a:cs typeface="Calibri" panose="020F0502020204030204" pitchFamily="34" charset="0"/>
+                        </a:rPr>
+                        <a:t>坐标</a:t>
+                      </a:r>
+                      <a:endParaRPr lang="zh-CN" sz="2400" kern="100" dirty="0">
+                        <a:effectLst/>
+                        <a:latin typeface="Calibri" panose="020F0502020204030204" pitchFamily="34" charset="0"/>
+                        <a:ea typeface="等线" panose="02010600030101010101" pitchFamily="2" charset="-122"/>
+                        <a:cs typeface="Calibri" panose="020F0502020204030204" pitchFamily="34" charset="0"/>
+                      </a:endParaRPr>
+                    </a:p>
+                  </a:txBody>
+                  <a:tcPr marL="68580" marR="68580" marT="0" marB="0">
+                    <a:lnL w="12700" cap="flat" cmpd="sng" algn="ctr">
+                      <a:solidFill>
+                        <a:srgbClr val="000000"/>
+                      </a:solidFill>
+                      <a:prstDash val="solid"/>
+                      <a:round/>
+                      <a:headEnd type="none" w="med" len="med"/>
+                      <a:tailEnd type="none" w="med" len="med"/>
+                    </a:lnL>
+                    <a:lnR w="12700" cap="flat" cmpd="sng" algn="ctr">
+                      <a:solidFill>
+                        <a:srgbClr val="000000"/>
+                      </a:solidFill>
+                      <a:prstDash val="solid"/>
+                      <a:round/>
+                      <a:headEnd type="none" w="med" len="med"/>
+                      <a:tailEnd type="none" w="med" len="med"/>
+                    </a:lnR>
+                    <a:lnT w="12700" cap="flat" cmpd="sng" algn="ctr">
+                      <a:solidFill>
+                        <a:srgbClr val="000000"/>
+                      </a:solidFill>
+                      <a:prstDash val="solid"/>
+                      <a:round/>
+                      <a:headEnd type="none" w="med" len="med"/>
+                      <a:tailEnd type="none" w="med" len="med"/>
+                    </a:lnT>
+                    <a:lnB w="12700" cap="flat" cmpd="sng" algn="ctr">
+                      <a:solidFill>
+                        <a:srgbClr val="000000"/>
+                      </a:solidFill>
+                      <a:prstDash val="solid"/>
+                      <a:round/>
+                      <a:headEnd type="none" w="med" len="med"/>
+                      <a:tailEnd type="none" w="med" len="med"/>
+                    </a:lnB>
+                  </a:tcPr>
+                </a:tc>
+                <a:extLst>
+                  <a:ext uri="{0D108BD9-81ED-4DB2-BD59-A6C34878D82A}">
+                    <a16:rowId xmlns:a16="http://schemas.microsoft.com/office/drawing/2014/main" val="3786354049"/>
+                  </a:ext>
+                </a:extLst>
+              </a:tr>
+              <a:tr h="872309">
+                <a:tc>
+                  <a:txBody>
+                    <a:bodyPr/>
+                    <a:lstStyle/>
+                    <a:p>
+                      <a:pPr algn="just">
+                        <a:spcAft>
+                          <a:spcPts val="0"/>
+                        </a:spcAft>
+                      </a:pPr>
+                      <a:r>
+                        <a:rPr lang="en-US" sz="2400" kern="100">
+                          <a:effectLst/>
+                          <a:latin typeface="Calibri" panose="020F0502020204030204" pitchFamily="34" charset="0"/>
+                          <a:ea typeface="等线" panose="02010600030101010101" pitchFamily="2" charset="-122"/>
+                          <a:cs typeface="Calibri" panose="020F0502020204030204" pitchFamily="34" charset="0"/>
+                        </a:rPr>
+                        <a:t>Residential Building</a:t>
+                      </a:r>
+                      <a:endParaRPr lang="zh-CN" sz="2400" kern="100">
+                        <a:effectLst/>
+                        <a:latin typeface="Calibri" panose="020F0502020204030204" pitchFamily="34" charset="0"/>
+                        <a:ea typeface="等线" panose="02010600030101010101" pitchFamily="2" charset="-122"/>
+                        <a:cs typeface="Calibri" panose="020F0502020204030204" pitchFamily="34" charset="0"/>
+                      </a:endParaRPr>
+                    </a:p>
+                  </a:txBody>
+                  <a:tcPr marL="68580" marR="68580" marT="0" marB="0">
+                    <a:lnL w="12700" cap="flat" cmpd="sng" algn="ctr">
+                      <a:solidFill>
+                        <a:srgbClr val="000000"/>
+                      </a:solidFill>
+                      <a:prstDash val="solid"/>
+                      <a:round/>
+                      <a:headEnd type="none" w="med" len="med"/>
+                      <a:tailEnd type="none" w="med" len="med"/>
+                    </a:lnL>
+                    <a:lnR w="12700" cap="flat" cmpd="sng" algn="ctr">
+                      <a:solidFill>
+                        <a:srgbClr val="000000"/>
+                      </a:solidFill>
+                      <a:prstDash val="solid"/>
+                      <a:round/>
+                      <a:headEnd type="none" w="med" len="med"/>
+                      <a:tailEnd type="none" w="med" len="med"/>
+                    </a:lnR>
+                    <a:lnT w="12700" cap="flat" cmpd="sng" algn="ctr">
+                      <a:solidFill>
+                        <a:srgbClr val="000000"/>
+                      </a:solidFill>
+                      <a:prstDash val="solid"/>
+                      <a:round/>
+                      <a:headEnd type="none" w="med" len="med"/>
+                      <a:tailEnd type="none" w="med" len="med"/>
+                    </a:lnT>
+                    <a:lnB w="12700" cap="flat" cmpd="sng" algn="ctr">
+                      <a:solidFill>
+                        <a:srgbClr val="000000"/>
+                      </a:solidFill>
+                      <a:prstDash val="solid"/>
+                      <a:round/>
+                      <a:headEnd type="none" w="med" len="med"/>
+                      <a:tailEnd type="none" w="med" len="med"/>
+                    </a:lnB>
+                  </a:tcPr>
+                </a:tc>
+                <a:tc>
+                  <a:txBody>
+                    <a:bodyPr/>
+                    <a:lstStyle/>
+                    <a:p>
+                      <a:pPr algn="just">
+                        <a:spcAft>
+                          <a:spcPts val="0"/>
+                        </a:spcAft>
+                      </a:pPr>
+                      <a:endParaRPr lang="zh-CN" sz="2400" kern="100" dirty="0">
+                        <a:effectLst/>
+                        <a:latin typeface="Calibri" panose="020F0502020204030204" pitchFamily="34" charset="0"/>
+                        <a:ea typeface="等线" panose="02010600030101010101" pitchFamily="2" charset="-122"/>
+                        <a:cs typeface="Calibri" panose="020F0502020204030204" pitchFamily="34" charset="0"/>
+                      </a:endParaRPr>
+                    </a:p>
+                  </a:txBody>
+                  <a:tcPr marL="68580" marR="68580" marT="0" marB="0">
+                    <a:lnL w="12700" cap="flat" cmpd="sng" algn="ctr">
+                      <a:solidFill>
+                        <a:srgbClr val="000000"/>
+                      </a:solidFill>
+                      <a:prstDash val="solid"/>
+                      <a:round/>
+                      <a:headEnd type="none" w="med" len="med"/>
+                      <a:tailEnd type="none" w="med" len="med"/>
+                    </a:lnL>
+                    <a:lnR w="12700" cap="flat" cmpd="sng" algn="ctr">
+                      <a:solidFill>
+                        <a:srgbClr val="000000"/>
+                      </a:solidFill>
+                      <a:prstDash val="solid"/>
+                      <a:round/>
+                      <a:headEnd type="none" w="med" len="med"/>
+                      <a:tailEnd type="none" w="med" len="med"/>
+                    </a:lnR>
+                    <a:lnT w="12700" cap="flat" cmpd="sng" algn="ctr">
+                      <a:solidFill>
+                        <a:srgbClr val="000000"/>
+                      </a:solidFill>
+                      <a:prstDash val="solid"/>
+                      <a:round/>
+                      <a:headEnd type="none" w="med" len="med"/>
+                      <a:tailEnd type="none" w="med" len="med"/>
+                    </a:lnT>
+                    <a:lnB w="12700" cap="flat" cmpd="sng" algn="ctr">
+                      <a:solidFill>
+                        <a:srgbClr val="000000"/>
+                      </a:solidFill>
+                      <a:prstDash val="solid"/>
+                      <a:round/>
+                      <a:headEnd type="none" w="med" len="med"/>
+                      <a:tailEnd type="none" w="med" len="med"/>
+                    </a:lnB>
+                  </a:tcPr>
+                </a:tc>
+                <a:tc>
+                  <a:txBody>
+                    <a:bodyPr/>
+                    <a:lstStyle/>
+                    <a:p>
+                      <a:pPr algn="ctr">
+                        <a:spcAft>
+                          <a:spcPts val="0"/>
+                        </a:spcAft>
+                      </a:pPr>
+                      <a:r>
+                        <a:rPr lang="en-US" altLang="zh-CN" sz="2400" kern="100" dirty="0">
+                          <a:effectLst/>
+                          <a:latin typeface="Calibri" panose="020F0502020204030204" pitchFamily="34" charset="0"/>
+                          <a:ea typeface="等线" panose="02010600030101010101" pitchFamily="2" charset="-122"/>
+                          <a:cs typeface="Calibri" panose="020F0502020204030204" pitchFamily="34" charset="0"/>
+                        </a:rPr>
+                        <a:t>1</a:t>
+                      </a:r>
+                      <a:endParaRPr lang="zh-CN" sz="2400" kern="100" dirty="0">
+                        <a:effectLst/>
+                        <a:latin typeface="Calibri" panose="020F0502020204030204" pitchFamily="34" charset="0"/>
+                        <a:ea typeface="等线" panose="02010600030101010101" pitchFamily="2" charset="-122"/>
+                        <a:cs typeface="Calibri" panose="020F0502020204030204" pitchFamily="34" charset="0"/>
+                      </a:endParaRPr>
+                    </a:p>
+                  </a:txBody>
+                  <a:tcPr marL="68580" marR="68580" marT="0" marB="0" anchor="ctr">
+                    <a:lnL w="12700" cap="flat" cmpd="sng" algn="ctr">
+                      <a:solidFill>
+                        <a:srgbClr val="000000"/>
+                      </a:solidFill>
+                      <a:prstDash val="solid"/>
+                      <a:round/>
+                      <a:headEnd type="none" w="med" len="med"/>
+                      <a:tailEnd type="none" w="med" len="med"/>
+                    </a:lnL>
+                    <a:lnR w="12700" cap="flat" cmpd="sng" algn="ctr">
+                      <a:solidFill>
+                        <a:srgbClr val="000000"/>
+                      </a:solidFill>
+                      <a:prstDash val="solid"/>
+                      <a:round/>
+                      <a:headEnd type="none" w="med" len="med"/>
+                      <a:tailEnd type="none" w="med" len="med"/>
+                    </a:lnR>
+                    <a:lnT w="12700" cap="flat" cmpd="sng" algn="ctr">
+                      <a:solidFill>
+                        <a:srgbClr val="000000"/>
+                      </a:solidFill>
+                      <a:prstDash val="solid"/>
+                      <a:round/>
+                      <a:headEnd type="none" w="med" len="med"/>
+                      <a:tailEnd type="none" w="med" len="med"/>
+                    </a:lnT>
+                    <a:lnB w="12700" cap="flat" cmpd="sng" algn="ctr">
+                      <a:solidFill>
+                        <a:srgbClr val="000000"/>
+                      </a:solidFill>
+                      <a:prstDash val="solid"/>
+                      <a:round/>
+                      <a:headEnd type="none" w="med" len="med"/>
+                      <a:tailEnd type="none" w="med" len="med"/>
+                    </a:lnB>
+                  </a:tcPr>
+                </a:tc>
+                <a:tc>
+                  <a:txBody>
+                    <a:bodyPr/>
+                    <a:lstStyle/>
+                    <a:p>
+                      <a:pPr algn="ctr">
+                        <a:spcAft>
+                          <a:spcPts val="0"/>
+                        </a:spcAft>
+                      </a:pPr>
+                      <a:r>
+                        <a:rPr lang="en-US" altLang="zh-CN" sz="2400" kern="100" dirty="0">
+                          <a:solidFill>
+                            <a:schemeClr val="tx1"/>
+                          </a:solidFill>
+                          <a:effectLst/>
+                          <a:latin typeface="Calibri" panose="020F0502020204030204" pitchFamily="34" charset="0"/>
+                          <a:ea typeface="等线" panose="02010600030101010101" pitchFamily="2" charset="-122"/>
+                          <a:cs typeface="Calibri" panose="020F0502020204030204" pitchFamily="34" charset="0"/>
+                        </a:rPr>
+                        <a:t>(</a:t>
+                      </a:r>
+                      <a:r>
+                        <a:rPr lang="en-US" altLang="zh-CN" sz="2400" kern="100" dirty="0" err="1">
+                          <a:solidFill>
+                            <a:schemeClr val="tx1"/>
+                          </a:solidFill>
+                          <a:effectLst/>
+                          <a:latin typeface="Calibri" panose="020F0502020204030204" pitchFamily="34" charset="0"/>
+                          <a:ea typeface="等线" panose="02010600030101010101" pitchFamily="2" charset="-122"/>
+                          <a:cs typeface="Calibri" panose="020F0502020204030204" pitchFamily="34" charset="0"/>
+                        </a:rPr>
+                        <a:t>x,y</a:t>
+                      </a:r>
+                      <a:r>
+                        <a:rPr lang="en-US" altLang="zh-CN" sz="2400" kern="100" dirty="0">
+                          <a:solidFill>
+                            <a:schemeClr val="tx1"/>
+                          </a:solidFill>
+                          <a:effectLst/>
+                          <a:latin typeface="Calibri" panose="020F0502020204030204" pitchFamily="34" charset="0"/>
+                          <a:ea typeface="等线" panose="02010600030101010101" pitchFamily="2" charset="-122"/>
+                          <a:cs typeface="Calibri" panose="020F0502020204030204" pitchFamily="34" charset="0"/>
+                        </a:rPr>
+                        <a:t>)</a:t>
+                      </a:r>
+                      <a:endParaRPr lang="zh-CN" sz="2400" kern="100" dirty="0">
+                        <a:solidFill>
+                          <a:schemeClr val="tx1"/>
+                        </a:solidFill>
+                        <a:effectLst/>
+                        <a:latin typeface="Calibri" panose="020F0502020204030204" pitchFamily="34" charset="0"/>
+                        <a:ea typeface="等线" panose="02010600030101010101" pitchFamily="2" charset="-122"/>
+                        <a:cs typeface="Calibri" panose="020F0502020204030204" pitchFamily="34" charset="0"/>
+                      </a:endParaRPr>
+                    </a:p>
+                  </a:txBody>
+                  <a:tcPr marL="68580" marR="68580" marT="0" marB="0" anchor="ctr">
+                    <a:lnL w="12700" cap="flat" cmpd="sng" algn="ctr">
+                      <a:solidFill>
+                        <a:srgbClr val="000000"/>
+                      </a:solidFill>
+                      <a:prstDash val="solid"/>
+                      <a:round/>
+                      <a:headEnd type="none" w="med" len="med"/>
+                      <a:tailEnd type="none" w="med" len="med"/>
+                    </a:lnL>
+                    <a:lnR w="12700" cap="flat" cmpd="sng" algn="ctr">
+                      <a:solidFill>
+                        <a:srgbClr val="000000"/>
+                      </a:solidFill>
+                      <a:prstDash val="solid"/>
+                      <a:round/>
+                      <a:headEnd type="none" w="med" len="med"/>
+                      <a:tailEnd type="none" w="med" len="med"/>
+                    </a:lnR>
+                    <a:lnT w="12700" cap="flat" cmpd="sng" algn="ctr">
+                      <a:solidFill>
+                        <a:srgbClr val="000000"/>
+                      </a:solidFill>
+                      <a:prstDash val="solid"/>
+                      <a:round/>
+                      <a:headEnd type="none" w="med" len="med"/>
+                      <a:tailEnd type="none" w="med" len="med"/>
+                    </a:lnT>
+                    <a:lnB w="12700" cap="flat" cmpd="sng" algn="ctr">
+                      <a:solidFill>
+                        <a:srgbClr val="000000"/>
+                      </a:solidFill>
+                      <a:prstDash val="solid"/>
+                      <a:round/>
+                      <a:headEnd type="none" w="med" len="med"/>
+                      <a:tailEnd type="none" w="med" len="med"/>
+                    </a:lnB>
+                  </a:tcPr>
+                </a:tc>
+                <a:extLst>
+                  <a:ext uri="{0D108BD9-81ED-4DB2-BD59-A6C34878D82A}">
+                    <a16:rowId xmlns:a16="http://schemas.microsoft.com/office/drawing/2014/main" val="3907481769"/>
+                  </a:ext>
+                </a:extLst>
+              </a:tr>
+              <a:tr h="872309">
+                <a:tc>
+                  <a:txBody>
+                    <a:bodyPr/>
+                    <a:lstStyle/>
+                    <a:p>
+                      <a:pPr algn="just">
+                        <a:spcAft>
+                          <a:spcPts val="0"/>
+                        </a:spcAft>
+                      </a:pPr>
+                      <a:r>
+                        <a:rPr lang="en-US" sz="2400" kern="100" dirty="0">
+                          <a:effectLst/>
+                          <a:latin typeface="Calibri" panose="020F0502020204030204" pitchFamily="34" charset="0"/>
+                          <a:ea typeface="等线" panose="02010600030101010101" pitchFamily="2" charset="-122"/>
+                          <a:cs typeface="Calibri" panose="020F0502020204030204" pitchFamily="34" charset="0"/>
+                        </a:rPr>
+                        <a:t>Bank</a:t>
+                      </a:r>
+                      <a:endParaRPr lang="zh-CN" sz="2400" kern="100" dirty="0">
+                        <a:effectLst/>
+                        <a:latin typeface="Calibri" panose="020F0502020204030204" pitchFamily="34" charset="0"/>
+                        <a:ea typeface="等线" panose="02010600030101010101" pitchFamily="2" charset="-122"/>
+                        <a:cs typeface="Calibri" panose="020F0502020204030204" pitchFamily="34" charset="0"/>
+                      </a:endParaRPr>
+                    </a:p>
+                  </a:txBody>
+                  <a:tcPr marL="68580" marR="68580" marT="0" marB="0">
+                    <a:lnL w="12700" cap="flat" cmpd="sng" algn="ctr">
+                      <a:solidFill>
+                        <a:srgbClr val="000000"/>
+                      </a:solidFill>
+                      <a:prstDash val="solid"/>
+                      <a:round/>
+                      <a:headEnd type="none" w="med" len="med"/>
+                      <a:tailEnd type="none" w="med" len="med"/>
+                    </a:lnL>
+                    <a:lnR w="12700" cap="flat" cmpd="sng" algn="ctr">
+                      <a:solidFill>
+                        <a:srgbClr val="000000"/>
+                      </a:solidFill>
+                      <a:prstDash val="solid"/>
+                      <a:round/>
+                      <a:headEnd type="none" w="med" len="med"/>
+                      <a:tailEnd type="none" w="med" len="med"/>
+                    </a:lnR>
+                    <a:lnT w="12700" cap="flat" cmpd="sng" algn="ctr">
+                      <a:solidFill>
+                        <a:srgbClr val="000000"/>
+                      </a:solidFill>
+                      <a:prstDash val="solid"/>
+                      <a:round/>
+                      <a:headEnd type="none" w="med" len="med"/>
+                      <a:tailEnd type="none" w="med" len="med"/>
+                    </a:lnT>
+                    <a:lnB w="12700" cap="flat" cmpd="sng" algn="ctr">
+                      <a:solidFill>
+                        <a:srgbClr val="000000"/>
+                      </a:solidFill>
+                      <a:prstDash val="solid"/>
+                      <a:round/>
+                      <a:headEnd type="none" w="med" len="med"/>
+                      <a:tailEnd type="none" w="med" len="med"/>
+                    </a:lnB>
+                  </a:tcPr>
+                </a:tc>
+                <a:tc>
+                  <a:txBody>
+                    <a:bodyPr/>
+                    <a:lstStyle/>
+                    <a:p>
+                      <a:pPr algn="just">
+                        <a:spcAft>
+                          <a:spcPts val="0"/>
+                        </a:spcAft>
+                      </a:pPr>
+                      <a:endParaRPr lang="zh-CN" sz="2400" kern="100" dirty="0">
+                        <a:effectLst/>
+                        <a:latin typeface="Calibri" panose="020F0502020204030204" pitchFamily="34" charset="0"/>
+                        <a:ea typeface="等线" panose="02010600030101010101" pitchFamily="2" charset="-122"/>
+                        <a:cs typeface="Calibri" panose="020F0502020204030204" pitchFamily="34" charset="0"/>
+                      </a:endParaRPr>
+                    </a:p>
+                  </a:txBody>
+                  <a:tcPr marL="68580" marR="68580" marT="0" marB="0">
+                    <a:lnL w="12700" cap="flat" cmpd="sng" algn="ctr">
+                      <a:solidFill>
+                        <a:srgbClr val="000000"/>
+                      </a:solidFill>
+                      <a:prstDash val="solid"/>
+                      <a:round/>
+                      <a:headEnd type="none" w="med" len="med"/>
+                      <a:tailEnd type="none" w="med" len="med"/>
+                    </a:lnL>
+                    <a:lnR w="12700" cap="flat" cmpd="sng" algn="ctr">
+                      <a:solidFill>
+                        <a:srgbClr val="000000"/>
+                      </a:solidFill>
+                      <a:prstDash val="solid"/>
+                      <a:round/>
+                      <a:headEnd type="none" w="med" len="med"/>
+                      <a:tailEnd type="none" w="med" len="med"/>
+                    </a:lnR>
+                    <a:lnT w="12700" cap="flat" cmpd="sng" algn="ctr">
+                      <a:solidFill>
+                        <a:srgbClr val="000000"/>
+                      </a:solidFill>
+                      <a:prstDash val="solid"/>
+                      <a:round/>
+                      <a:headEnd type="none" w="med" len="med"/>
+                      <a:tailEnd type="none" w="med" len="med"/>
+                    </a:lnT>
+                    <a:lnB w="12700" cap="flat" cmpd="sng" algn="ctr">
+                      <a:solidFill>
+                        <a:srgbClr val="000000"/>
+                      </a:solidFill>
+                      <a:prstDash val="solid"/>
+                      <a:round/>
+                      <a:headEnd type="none" w="med" len="med"/>
+                      <a:tailEnd type="none" w="med" len="med"/>
+                    </a:lnB>
+                  </a:tcPr>
+                </a:tc>
+                <a:tc>
+                  <a:txBody>
+                    <a:bodyPr/>
+                    <a:lstStyle/>
+                    <a:p>
+                      <a:pPr algn="ctr">
+                        <a:spcAft>
+                          <a:spcPts val="0"/>
+                        </a:spcAft>
+                      </a:pPr>
+                      <a:r>
+                        <a:rPr lang="en-US" altLang="zh-CN" sz="2400" kern="100" dirty="0">
+                          <a:effectLst/>
+                          <a:latin typeface="Calibri" panose="020F0502020204030204" pitchFamily="34" charset="0"/>
+                          <a:ea typeface="等线" panose="02010600030101010101" pitchFamily="2" charset="-122"/>
+                          <a:cs typeface="Calibri" panose="020F0502020204030204" pitchFamily="34" charset="0"/>
+                        </a:rPr>
+                        <a:t>4</a:t>
+                      </a:r>
+                      <a:endParaRPr lang="zh-CN" sz="2400" kern="100" dirty="0">
+                        <a:effectLst/>
+                        <a:latin typeface="Calibri" panose="020F0502020204030204" pitchFamily="34" charset="0"/>
+                        <a:ea typeface="等线" panose="02010600030101010101" pitchFamily="2" charset="-122"/>
+                        <a:cs typeface="Calibri" panose="020F0502020204030204" pitchFamily="34" charset="0"/>
+                      </a:endParaRPr>
+                    </a:p>
+                  </a:txBody>
+                  <a:tcPr marL="68580" marR="68580" marT="0" marB="0" anchor="ctr">
+                    <a:lnL w="12700" cap="flat" cmpd="sng" algn="ctr">
+                      <a:solidFill>
+                        <a:srgbClr val="000000"/>
+                      </a:solidFill>
+                      <a:prstDash val="solid"/>
+                      <a:round/>
+                      <a:headEnd type="none" w="med" len="med"/>
+                      <a:tailEnd type="none" w="med" len="med"/>
+                    </a:lnL>
+                    <a:lnR w="12700" cap="flat" cmpd="sng" algn="ctr">
+                      <a:solidFill>
+                        <a:srgbClr val="000000"/>
+                      </a:solidFill>
+                      <a:prstDash val="solid"/>
+                      <a:round/>
+                      <a:headEnd type="none" w="med" len="med"/>
+                      <a:tailEnd type="none" w="med" len="med"/>
+                    </a:lnR>
+                    <a:lnT w="12700" cap="flat" cmpd="sng" algn="ctr">
+                      <a:solidFill>
+                        <a:srgbClr val="000000"/>
+                      </a:solidFill>
+                      <a:prstDash val="solid"/>
+                      <a:round/>
+                      <a:headEnd type="none" w="med" len="med"/>
+                      <a:tailEnd type="none" w="med" len="med"/>
+                    </a:lnT>
+                    <a:lnB w="12700" cap="flat" cmpd="sng" algn="ctr">
+                      <a:solidFill>
+                        <a:srgbClr val="000000"/>
+                      </a:solidFill>
+                      <a:prstDash val="solid"/>
+                      <a:round/>
+                      <a:headEnd type="none" w="med" len="med"/>
+                      <a:tailEnd type="none" w="med" len="med"/>
+                    </a:lnB>
+                  </a:tcPr>
+                </a:tc>
+                <a:tc>
+                  <a:txBody>
+                    <a:bodyPr/>
+                    <a:lstStyle/>
+                    <a:p>
+                      <a:pPr algn="ctr">
+                        <a:spcAft>
+                          <a:spcPts val="0"/>
+                        </a:spcAft>
+                      </a:pPr>
+                      <a:r>
+                        <a:rPr lang="en-US" altLang="zh-CN" sz="2400" kern="100" dirty="0">
+                          <a:effectLst/>
+                          <a:latin typeface="Calibri" panose="020F0502020204030204" pitchFamily="34" charset="0"/>
+                          <a:ea typeface="等线" panose="02010600030101010101" pitchFamily="2" charset="-122"/>
+                          <a:cs typeface="Calibri" panose="020F0502020204030204" pitchFamily="34" charset="0"/>
+                        </a:rPr>
+                        <a:t>(</a:t>
+                      </a:r>
+                      <a:r>
+                        <a:rPr lang="en-US" altLang="zh-CN" sz="2400" kern="100" dirty="0" err="1">
+                          <a:effectLst/>
+                          <a:latin typeface="Calibri" panose="020F0502020204030204" pitchFamily="34" charset="0"/>
+                          <a:ea typeface="等线" panose="02010600030101010101" pitchFamily="2" charset="-122"/>
+                          <a:cs typeface="Calibri" panose="020F0502020204030204" pitchFamily="34" charset="0"/>
+                        </a:rPr>
+                        <a:t>x,y</a:t>
+                      </a:r>
+                      <a:r>
+                        <a:rPr lang="en-US" altLang="zh-CN" sz="2400" kern="100" dirty="0">
+                          <a:effectLst/>
+                          <a:latin typeface="Calibri" panose="020F0502020204030204" pitchFamily="34" charset="0"/>
+                          <a:ea typeface="等线" panose="02010600030101010101" pitchFamily="2" charset="-122"/>
+                          <a:cs typeface="Calibri" panose="020F0502020204030204" pitchFamily="34" charset="0"/>
+                        </a:rPr>
+                        <a:t>) (x+1,y) (x,y+1) (x+1,y+1)</a:t>
+                      </a:r>
+                      <a:endParaRPr lang="zh-CN" sz="2400" kern="100" dirty="0">
+                        <a:effectLst/>
+                        <a:latin typeface="Calibri" panose="020F0502020204030204" pitchFamily="34" charset="0"/>
+                        <a:ea typeface="等线" panose="02010600030101010101" pitchFamily="2" charset="-122"/>
+                        <a:cs typeface="Calibri" panose="020F0502020204030204" pitchFamily="34" charset="0"/>
+                      </a:endParaRPr>
+                    </a:p>
+                  </a:txBody>
+                  <a:tcPr marL="68580" marR="68580" marT="0" marB="0" anchor="ctr">
+                    <a:lnL w="12700" cap="flat" cmpd="sng" algn="ctr">
+                      <a:solidFill>
+                        <a:srgbClr val="000000"/>
+                      </a:solidFill>
+                      <a:prstDash val="solid"/>
+                      <a:round/>
+                      <a:headEnd type="none" w="med" len="med"/>
+                      <a:tailEnd type="none" w="med" len="med"/>
+                    </a:lnL>
+                    <a:lnR w="12700" cap="flat" cmpd="sng" algn="ctr">
+                      <a:solidFill>
+                        <a:srgbClr val="000000"/>
+                      </a:solidFill>
+                      <a:prstDash val="solid"/>
+                      <a:round/>
+                      <a:headEnd type="none" w="med" len="med"/>
+                      <a:tailEnd type="none" w="med" len="med"/>
+                    </a:lnR>
+                    <a:lnT w="12700" cap="flat" cmpd="sng" algn="ctr">
+                      <a:solidFill>
+                        <a:srgbClr val="000000"/>
+                      </a:solidFill>
+                      <a:prstDash val="solid"/>
+                      <a:round/>
+                      <a:headEnd type="none" w="med" len="med"/>
+                      <a:tailEnd type="none" w="med" len="med"/>
+                    </a:lnT>
+                    <a:lnB w="12700" cap="flat" cmpd="sng" algn="ctr">
+                      <a:solidFill>
+                        <a:srgbClr val="000000"/>
+                      </a:solidFill>
+                      <a:prstDash val="solid"/>
+                      <a:round/>
+                      <a:headEnd type="none" w="med" len="med"/>
+                      <a:tailEnd type="none" w="med" len="med"/>
+                    </a:lnB>
+                  </a:tcPr>
+                </a:tc>
+                <a:extLst>
+                  <a:ext uri="{0D108BD9-81ED-4DB2-BD59-A6C34878D82A}">
+                    <a16:rowId xmlns:a16="http://schemas.microsoft.com/office/drawing/2014/main" val="4226759676"/>
+                  </a:ext>
+                </a:extLst>
+              </a:tr>
+              <a:tr h="872309">
+                <a:tc>
+                  <a:txBody>
+                    <a:bodyPr/>
+                    <a:lstStyle/>
+                    <a:p>
+                      <a:pPr algn="just">
+                        <a:spcAft>
+                          <a:spcPts val="0"/>
+                        </a:spcAft>
+                      </a:pPr>
+                      <a:r>
+                        <a:rPr lang="en-US" sz="2400" kern="100">
+                          <a:effectLst/>
+                          <a:latin typeface="Calibri" panose="020F0502020204030204" pitchFamily="34" charset="0"/>
+                          <a:ea typeface="等线" panose="02010600030101010101" pitchFamily="2" charset="-122"/>
+                          <a:cs typeface="Calibri" panose="020F0502020204030204" pitchFamily="34" charset="0"/>
+                        </a:rPr>
+                        <a:t>Supermarket</a:t>
+                      </a:r>
+                      <a:endParaRPr lang="zh-CN" sz="2400" kern="100">
+                        <a:effectLst/>
+                        <a:latin typeface="Calibri" panose="020F0502020204030204" pitchFamily="34" charset="0"/>
+                        <a:ea typeface="等线" panose="02010600030101010101" pitchFamily="2" charset="-122"/>
+                        <a:cs typeface="Calibri" panose="020F0502020204030204" pitchFamily="34" charset="0"/>
+                      </a:endParaRPr>
+                    </a:p>
+                  </a:txBody>
+                  <a:tcPr marL="68580" marR="68580" marT="0" marB="0">
+                    <a:lnL w="12700" cap="flat" cmpd="sng" algn="ctr">
+                      <a:solidFill>
+                        <a:srgbClr val="000000"/>
+                      </a:solidFill>
+                      <a:prstDash val="solid"/>
+                      <a:round/>
+                      <a:headEnd type="none" w="med" len="med"/>
+                      <a:tailEnd type="none" w="med" len="med"/>
+                    </a:lnL>
+                    <a:lnR w="12700" cap="flat" cmpd="sng" algn="ctr">
+                      <a:solidFill>
+                        <a:srgbClr val="000000"/>
+                      </a:solidFill>
+                      <a:prstDash val="solid"/>
+                      <a:round/>
+                      <a:headEnd type="none" w="med" len="med"/>
+                      <a:tailEnd type="none" w="med" len="med"/>
+                    </a:lnR>
+                    <a:lnT w="12700" cap="flat" cmpd="sng" algn="ctr">
+                      <a:solidFill>
+                        <a:srgbClr val="000000"/>
+                      </a:solidFill>
+                      <a:prstDash val="solid"/>
+                      <a:round/>
+                      <a:headEnd type="none" w="med" len="med"/>
+                      <a:tailEnd type="none" w="med" len="med"/>
+                    </a:lnT>
+                    <a:lnB w="12700" cap="flat" cmpd="sng" algn="ctr">
+                      <a:solidFill>
+                        <a:srgbClr val="000000"/>
+                      </a:solidFill>
+                      <a:prstDash val="solid"/>
+                      <a:round/>
+                      <a:headEnd type="none" w="med" len="med"/>
+                      <a:tailEnd type="none" w="med" len="med"/>
+                    </a:lnB>
+                  </a:tcPr>
+                </a:tc>
+                <a:tc>
+                  <a:txBody>
+                    <a:bodyPr/>
+                    <a:lstStyle/>
+                    <a:p>
+                      <a:pPr algn="just">
+                        <a:spcAft>
+                          <a:spcPts val="0"/>
+                        </a:spcAft>
+                      </a:pPr>
+                      <a:endParaRPr lang="zh-CN" sz="2400" kern="100">
+                        <a:effectLst/>
+                        <a:latin typeface="Calibri" panose="020F0502020204030204" pitchFamily="34" charset="0"/>
+                        <a:ea typeface="等线" panose="02010600030101010101" pitchFamily="2" charset="-122"/>
+                        <a:cs typeface="Calibri" panose="020F0502020204030204" pitchFamily="34" charset="0"/>
+                      </a:endParaRPr>
+                    </a:p>
+                  </a:txBody>
+                  <a:tcPr marL="68580" marR="68580" marT="0" marB="0">
+                    <a:lnL w="12700" cap="flat" cmpd="sng" algn="ctr">
+                      <a:solidFill>
+                        <a:srgbClr val="000000"/>
+                      </a:solidFill>
+                      <a:prstDash val="solid"/>
+                      <a:round/>
+                      <a:headEnd type="none" w="med" len="med"/>
+                      <a:tailEnd type="none" w="med" len="med"/>
+                    </a:lnL>
+                    <a:lnR w="12700" cap="flat" cmpd="sng" algn="ctr">
+                      <a:solidFill>
+                        <a:srgbClr val="000000"/>
+                      </a:solidFill>
+                      <a:prstDash val="solid"/>
+                      <a:round/>
+                      <a:headEnd type="none" w="med" len="med"/>
+                      <a:tailEnd type="none" w="med" len="med"/>
+                    </a:lnR>
+                    <a:lnT w="12700" cap="flat" cmpd="sng" algn="ctr">
+                      <a:solidFill>
+                        <a:srgbClr val="000000"/>
+                      </a:solidFill>
+                      <a:prstDash val="solid"/>
+                      <a:round/>
+                      <a:headEnd type="none" w="med" len="med"/>
+                      <a:tailEnd type="none" w="med" len="med"/>
+                    </a:lnT>
+                    <a:lnB w="12700" cap="flat" cmpd="sng" algn="ctr">
+                      <a:solidFill>
+                        <a:srgbClr val="000000"/>
+                      </a:solidFill>
+                      <a:prstDash val="solid"/>
+                      <a:round/>
+                      <a:headEnd type="none" w="med" len="med"/>
+                      <a:tailEnd type="none" w="med" len="med"/>
+                    </a:lnB>
+                  </a:tcPr>
+                </a:tc>
+                <a:tc>
+                  <a:txBody>
+                    <a:bodyPr/>
+                    <a:lstStyle/>
+                    <a:p>
+                      <a:pPr algn="ctr">
+                        <a:spcAft>
+                          <a:spcPts val="0"/>
+                        </a:spcAft>
+                      </a:pPr>
+                      <a:r>
+                        <a:rPr lang="en-US" altLang="zh-CN" sz="2400" kern="100" dirty="0">
+                          <a:effectLst/>
+                          <a:latin typeface="Calibri" panose="020F0502020204030204" pitchFamily="34" charset="0"/>
+                          <a:ea typeface="等线" panose="02010600030101010101" pitchFamily="2" charset="-122"/>
+                          <a:cs typeface="Calibri" panose="020F0502020204030204" pitchFamily="34" charset="0"/>
+                        </a:rPr>
+                        <a:t>2</a:t>
+                      </a:r>
+                      <a:endParaRPr lang="zh-CN" sz="2400" kern="100" dirty="0">
+                        <a:effectLst/>
+                        <a:latin typeface="Calibri" panose="020F0502020204030204" pitchFamily="34" charset="0"/>
+                        <a:ea typeface="等线" panose="02010600030101010101" pitchFamily="2" charset="-122"/>
+                        <a:cs typeface="Calibri" panose="020F0502020204030204" pitchFamily="34" charset="0"/>
+                      </a:endParaRPr>
+                    </a:p>
+                  </a:txBody>
+                  <a:tcPr marL="68580" marR="68580" marT="0" marB="0" anchor="ctr">
+                    <a:lnL w="12700" cap="flat" cmpd="sng" algn="ctr">
+                      <a:solidFill>
+                        <a:srgbClr val="000000"/>
+                      </a:solidFill>
+                      <a:prstDash val="solid"/>
+                      <a:round/>
+                      <a:headEnd type="none" w="med" len="med"/>
+                      <a:tailEnd type="none" w="med" len="med"/>
+                    </a:lnL>
+                    <a:lnR w="12700" cap="flat" cmpd="sng" algn="ctr">
+                      <a:solidFill>
+                        <a:srgbClr val="000000"/>
+                      </a:solidFill>
+                      <a:prstDash val="solid"/>
+                      <a:round/>
+                      <a:headEnd type="none" w="med" len="med"/>
+                      <a:tailEnd type="none" w="med" len="med"/>
+                    </a:lnR>
+                    <a:lnT w="12700" cap="flat" cmpd="sng" algn="ctr">
+                      <a:solidFill>
+                        <a:srgbClr val="000000"/>
+                      </a:solidFill>
+                      <a:prstDash val="solid"/>
+                      <a:round/>
+                      <a:headEnd type="none" w="med" len="med"/>
+                      <a:tailEnd type="none" w="med" len="med"/>
+                    </a:lnT>
+                    <a:lnB w="12700" cap="flat" cmpd="sng" algn="ctr">
+                      <a:solidFill>
+                        <a:srgbClr val="000000"/>
+                      </a:solidFill>
+                      <a:prstDash val="solid"/>
+                      <a:round/>
+                      <a:headEnd type="none" w="med" len="med"/>
+                      <a:tailEnd type="none" w="med" len="med"/>
+                    </a:lnB>
+                  </a:tcPr>
+                </a:tc>
+                <a:tc>
+                  <a:txBody>
+                    <a:bodyPr/>
+                    <a:lstStyle/>
+                    <a:p>
+                      <a:pPr algn="ctr">
+                        <a:spcAft>
+                          <a:spcPts val="0"/>
+                        </a:spcAft>
+                      </a:pPr>
+                      <a:r>
+                        <a:rPr lang="en-US" altLang="zh-CN" sz="2400" kern="100" dirty="0">
+                          <a:effectLst/>
+                          <a:latin typeface="Calibri" panose="020F0502020204030204" pitchFamily="34" charset="0"/>
+                          <a:ea typeface="+mn-ea"/>
+                          <a:cs typeface="Calibri" panose="020F0502020204030204" pitchFamily="34" charset="0"/>
+                        </a:rPr>
+                        <a:t>(</a:t>
+                      </a:r>
+                      <a:r>
+                        <a:rPr lang="en-US" altLang="zh-CN" sz="2400" kern="100" dirty="0" err="1">
+                          <a:effectLst/>
+                          <a:latin typeface="Calibri" panose="020F0502020204030204" pitchFamily="34" charset="0"/>
+                          <a:ea typeface="+mn-ea"/>
+                          <a:cs typeface="Calibri" panose="020F0502020204030204" pitchFamily="34" charset="0"/>
+                        </a:rPr>
+                        <a:t>x,y</a:t>
+                      </a:r>
+                      <a:r>
+                        <a:rPr lang="en-US" altLang="zh-CN" sz="2400" kern="100" dirty="0">
+                          <a:effectLst/>
+                          <a:latin typeface="Calibri" panose="020F0502020204030204" pitchFamily="34" charset="0"/>
+                          <a:ea typeface="+mn-ea"/>
+                          <a:cs typeface="Calibri" panose="020F0502020204030204" pitchFamily="34" charset="0"/>
+                        </a:rPr>
+                        <a:t>) (x+1,y) </a:t>
+                      </a:r>
+                      <a:endParaRPr lang="zh-CN" sz="2400" kern="100" dirty="0">
+                        <a:effectLst/>
+                        <a:latin typeface="Calibri" panose="020F0502020204030204" pitchFamily="34" charset="0"/>
+                        <a:ea typeface="等线" panose="02010600030101010101" pitchFamily="2" charset="-122"/>
+                        <a:cs typeface="Calibri" panose="020F0502020204030204" pitchFamily="34" charset="0"/>
+                      </a:endParaRPr>
+                    </a:p>
+                  </a:txBody>
+                  <a:tcPr marL="68580" marR="68580" marT="0" marB="0" anchor="ctr">
+                    <a:lnL w="12700" cap="flat" cmpd="sng" algn="ctr">
+                      <a:solidFill>
+                        <a:srgbClr val="000000"/>
+                      </a:solidFill>
+                      <a:prstDash val="solid"/>
+                      <a:round/>
+                      <a:headEnd type="none" w="med" len="med"/>
+                      <a:tailEnd type="none" w="med" len="med"/>
+                    </a:lnL>
+                    <a:lnR w="12700" cap="flat" cmpd="sng" algn="ctr">
+                      <a:solidFill>
+                        <a:srgbClr val="000000"/>
+                      </a:solidFill>
+                      <a:prstDash val="solid"/>
+                      <a:round/>
+                      <a:headEnd type="none" w="med" len="med"/>
+                      <a:tailEnd type="none" w="med" len="med"/>
+                    </a:lnR>
+                    <a:lnT w="12700" cap="flat" cmpd="sng" algn="ctr">
+                      <a:solidFill>
+                        <a:srgbClr val="000000"/>
+                      </a:solidFill>
+                      <a:prstDash val="solid"/>
+                      <a:round/>
+                      <a:headEnd type="none" w="med" len="med"/>
+                      <a:tailEnd type="none" w="med" len="med"/>
+                    </a:lnT>
+                    <a:lnB w="12700" cap="flat" cmpd="sng" algn="ctr">
+                      <a:solidFill>
+                        <a:srgbClr val="000000"/>
+                      </a:solidFill>
+                      <a:prstDash val="solid"/>
+                      <a:round/>
+                      <a:headEnd type="none" w="med" len="med"/>
+                      <a:tailEnd type="none" w="med" len="med"/>
+                    </a:lnB>
+                  </a:tcPr>
+                </a:tc>
+                <a:extLst>
+                  <a:ext uri="{0D108BD9-81ED-4DB2-BD59-A6C34878D82A}">
+                    <a16:rowId xmlns:a16="http://schemas.microsoft.com/office/drawing/2014/main" val="2965718199"/>
+                  </a:ext>
+                </a:extLst>
+              </a:tr>
+              <a:tr h="872309">
+                <a:tc>
+                  <a:txBody>
+                    <a:bodyPr/>
+                    <a:lstStyle/>
+                    <a:p>
+                      <a:pPr algn="just">
+                        <a:spcAft>
+                          <a:spcPts val="0"/>
+                        </a:spcAft>
+                      </a:pPr>
+                      <a:r>
+                        <a:rPr lang="en-US" sz="2400" kern="100" dirty="0">
+                          <a:effectLst/>
+                          <a:latin typeface="Calibri" panose="020F0502020204030204" pitchFamily="34" charset="0"/>
+                          <a:ea typeface="等线" panose="02010600030101010101" pitchFamily="2" charset="-122"/>
+                          <a:cs typeface="Calibri" panose="020F0502020204030204" pitchFamily="34" charset="0"/>
+                        </a:rPr>
+                        <a:t>Park </a:t>
+                      </a:r>
+                      <a:r>
+                        <a:rPr lang="en-US" sz="2400" kern="100" dirty="0">
+                          <a:solidFill>
+                            <a:srgbClr val="FF0000"/>
+                          </a:solidFill>
+                          <a:effectLst/>
+                          <a:latin typeface="Calibri" panose="020F0502020204030204" pitchFamily="34" charset="0"/>
+                          <a:ea typeface="等线" panose="02010600030101010101" pitchFamily="2" charset="-122"/>
+                          <a:cs typeface="Calibri" panose="020F0502020204030204" pitchFamily="34" charset="0"/>
+                        </a:rPr>
+                        <a:t>changed to Hospital</a:t>
+                      </a:r>
+                      <a:endParaRPr lang="zh-CN" sz="2400" kern="100" dirty="0">
+                        <a:solidFill>
+                          <a:srgbClr val="FF0000"/>
+                        </a:solidFill>
+                        <a:effectLst/>
+                        <a:latin typeface="Calibri" panose="020F0502020204030204" pitchFamily="34" charset="0"/>
+                        <a:ea typeface="等线" panose="02010600030101010101" pitchFamily="2" charset="-122"/>
+                        <a:cs typeface="Calibri" panose="020F0502020204030204" pitchFamily="34" charset="0"/>
+                      </a:endParaRPr>
+                    </a:p>
+                  </a:txBody>
+                  <a:tcPr marL="68580" marR="68580" marT="0" marB="0">
+                    <a:lnL w="12700" cap="flat" cmpd="sng" algn="ctr">
+                      <a:solidFill>
+                        <a:srgbClr val="000000"/>
+                      </a:solidFill>
+                      <a:prstDash val="solid"/>
+                      <a:round/>
+                      <a:headEnd type="none" w="med" len="med"/>
+                      <a:tailEnd type="none" w="med" len="med"/>
+                    </a:lnL>
+                    <a:lnR w="12700" cap="flat" cmpd="sng" algn="ctr">
+                      <a:solidFill>
+                        <a:srgbClr val="000000"/>
+                      </a:solidFill>
+                      <a:prstDash val="solid"/>
+                      <a:round/>
+                      <a:headEnd type="none" w="med" len="med"/>
+                      <a:tailEnd type="none" w="med" len="med"/>
+                    </a:lnR>
+                    <a:lnT w="12700" cap="flat" cmpd="sng" algn="ctr">
+                      <a:solidFill>
+                        <a:srgbClr val="000000"/>
+                      </a:solidFill>
+                      <a:prstDash val="solid"/>
+                      <a:round/>
+                      <a:headEnd type="none" w="med" len="med"/>
+                      <a:tailEnd type="none" w="med" len="med"/>
+                    </a:lnT>
+                    <a:lnB w="12700" cap="flat" cmpd="sng" algn="ctr">
+                      <a:solidFill>
+                        <a:srgbClr val="000000"/>
+                      </a:solidFill>
+                      <a:prstDash val="solid"/>
+                      <a:round/>
+                      <a:headEnd type="none" w="med" len="med"/>
+                      <a:tailEnd type="none" w="med" len="med"/>
+                    </a:lnB>
+                  </a:tcPr>
+                </a:tc>
+                <a:tc>
+                  <a:txBody>
+                    <a:bodyPr/>
+                    <a:lstStyle/>
+                    <a:p>
+                      <a:pPr algn="just">
+                        <a:spcAft>
+                          <a:spcPts val="0"/>
+                        </a:spcAft>
+                      </a:pPr>
+                      <a:endParaRPr lang="zh-CN" sz="2400" kern="100">
+                        <a:effectLst/>
+                        <a:latin typeface="Calibri" panose="020F0502020204030204" pitchFamily="34" charset="0"/>
+                        <a:ea typeface="等线" panose="02010600030101010101" pitchFamily="2" charset="-122"/>
+                        <a:cs typeface="Calibri" panose="020F0502020204030204" pitchFamily="34" charset="0"/>
+                      </a:endParaRPr>
+                    </a:p>
+                  </a:txBody>
+                  <a:tcPr marL="68580" marR="68580" marT="0" marB="0">
+                    <a:lnL w="12700" cap="flat" cmpd="sng" algn="ctr">
+                      <a:solidFill>
+                        <a:srgbClr val="000000"/>
+                      </a:solidFill>
+                      <a:prstDash val="solid"/>
+                      <a:round/>
+                      <a:headEnd type="none" w="med" len="med"/>
+                      <a:tailEnd type="none" w="med" len="med"/>
+                    </a:lnL>
+                    <a:lnR w="12700" cap="flat" cmpd="sng" algn="ctr">
+                      <a:solidFill>
+                        <a:srgbClr val="000000"/>
+                      </a:solidFill>
+                      <a:prstDash val="solid"/>
+                      <a:round/>
+                      <a:headEnd type="none" w="med" len="med"/>
+                      <a:tailEnd type="none" w="med" len="med"/>
+                    </a:lnR>
+                    <a:lnT w="12700" cap="flat" cmpd="sng" algn="ctr">
+                      <a:solidFill>
+                        <a:srgbClr val="000000"/>
+                      </a:solidFill>
+                      <a:prstDash val="solid"/>
+                      <a:round/>
+                      <a:headEnd type="none" w="med" len="med"/>
+                      <a:tailEnd type="none" w="med" len="med"/>
+                    </a:lnT>
+                    <a:lnB w="12700" cap="flat" cmpd="sng" algn="ctr">
+                      <a:solidFill>
+                        <a:srgbClr val="000000"/>
+                      </a:solidFill>
+                      <a:prstDash val="solid"/>
+                      <a:round/>
+                      <a:headEnd type="none" w="med" len="med"/>
+                      <a:tailEnd type="none" w="med" len="med"/>
+                    </a:lnB>
+                  </a:tcPr>
+                </a:tc>
+                <a:tc>
+                  <a:txBody>
+                    <a:bodyPr/>
+                    <a:lstStyle/>
+                    <a:p>
+                      <a:pPr algn="ctr">
+                        <a:spcAft>
+                          <a:spcPts val="0"/>
+                        </a:spcAft>
+                      </a:pPr>
+                      <a:r>
+                        <a:rPr lang="en-US" altLang="zh-CN" sz="2400" kern="100" dirty="0">
+                          <a:effectLst/>
+                          <a:latin typeface="Calibri" panose="020F0502020204030204" pitchFamily="34" charset="0"/>
+                          <a:ea typeface="等线" panose="02010600030101010101" pitchFamily="2" charset="-122"/>
+                          <a:cs typeface="Calibri" panose="020F0502020204030204" pitchFamily="34" charset="0"/>
+                        </a:rPr>
+                        <a:t>2</a:t>
+                      </a:r>
+                      <a:endParaRPr lang="zh-CN" sz="2400" kern="100" dirty="0">
+                        <a:effectLst/>
+                        <a:latin typeface="Calibri" panose="020F0502020204030204" pitchFamily="34" charset="0"/>
+                        <a:ea typeface="等线" panose="02010600030101010101" pitchFamily="2" charset="-122"/>
+                        <a:cs typeface="Calibri" panose="020F0502020204030204" pitchFamily="34" charset="0"/>
+                      </a:endParaRPr>
+                    </a:p>
+                  </a:txBody>
+                  <a:tcPr marL="68580" marR="68580" marT="0" marB="0" anchor="ctr">
+                    <a:lnL w="12700" cap="flat" cmpd="sng" algn="ctr">
+                      <a:solidFill>
+                        <a:srgbClr val="000000"/>
+                      </a:solidFill>
+                      <a:prstDash val="solid"/>
+                      <a:round/>
+                      <a:headEnd type="none" w="med" len="med"/>
+                      <a:tailEnd type="none" w="med" len="med"/>
+                    </a:lnL>
+                    <a:lnR w="12700" cap="flat" cmpd="sng" algn="ctr">
+                      <a:solidFill>
+                        <a:srgbClr val="000000"/>
+                      </a:solidFill>
+                      <a:prstDash val="solid"/>
+                      <a:round/>
+                      <a:headEnd type="none" w="med" len="med"/>
+                      <a:tailEnd type="none" w="med" len="med"/>
+                    </a:lnR>
+                    <a:lnT w="12700" cap="flat" cmpd="sng" algn="ctr">
+                      <a:solidFill>
+                        <a:srgbClr val="000000"/>
+                      </a:solidFill>
+                      <a:prstDash val="solid"/>
+                      <a:round/>
+                      <a:headEnd type="none" w="med" len="med"/>
+                      <a:tailEnd type="none" w="med" len="med"/>
+                    </a:lnT>
+                    <a:lnB w="12700" cap="flat" cmpd="sng" algn="ctr">
+                      <a:solidFill>
+                        <a:srgbClr val="000000"/>
+                      </a:solidFill>
+                      <a:prstDash val="solid"/>
+                      <a:round/>
+                      <a:headEnd type="none" w="med" len="med"/>
+                      <a:tailEnd type="none" w="med" len="med"/>
+                    </a:lnB>
+                  </a:tcPr>
+                </a:tc>
+                <a:tc>
+                  <a:txBody>
+                    <a:bodyPr/>
+                    <a:lstStyle/>
+                    <a:p>
+                      <a:pPr marL="0" marR="0" lvl="0" indent="0" algn="ctr" defTabSz="914400" rtl="0" eaLnBrk="1" fontAlgn="auto" latinLnBrk="0" hangingPunct="1">
+                        <a:lnSpc>
+                          <a:spcPct val="100000"/>
+                        </a:lnSpc>
+                        <a:spcBef>
+                          <a:spcPts val="0"/>
+                        </a:spcBef>
+                        <a:spcAft>
+                          <a:spcPts val="0"/>
+                        </a:spcAft>
+                        <a:buClrTx/>
+                        <a:buSzTx/>
+                        <a:buFontTx/>
+                        <a:buNone/>
+                        <a:tabLst/>
+                        <a:defRPr/>
+                      </a:pPr>
+                      <a:r>
+                        <a:rPr lang="en-US" altLang="zh-CN" sz="2400" kern="100" dirty="0">
+                          <a:effectLst/>
+                          <a:latin typeface="Calibri" panose="020F0502020204030204" pitchFamily="34" charset="0"/>
+                          <a:ea typeface="+mn-ea"/>
+                          <a:cs typeface="Calibri" panose="020F0502020204030204" pitchFamily="34" charset="0"/>
+                        </a:rPr>
+                        <a:t>(</a:t>
+                      </a:r>
+                      <a:r>
+                        <a:rPr lang="en-US" altLang="zh-CN" sz="2400" kern="100" dirty="0" err="1">
+                          <a:effectLst/>
+                          <a:latin typeface="Calibri" panose="020F0502020204030204" pitchFamily="34" charset="0"/>
+                          <a:ea typeface="+mn-ea"/>
+                          <a:cs typeface="Calibri" panose="020F0502020204030204" pitchFamily="34" charset="0"/>
+                        </a:rPr>
+                        <a:t>x,y</a:t>
+                      </a:r>
+                      <a:r>
+                        <a:rPr lang="en-US" altLang="zh-CN" sz="2400" kern="100" dirty="0">
+                          <a:effectLst/>
+                          <a:latin typeface="Calibri" panose="020F0502020204030204" pitchFamily="34" charset="0"/>
+                          <a:ea typeface="+mn-ea"/>
+                          <a:cs typeface="Calibri" panose="020F0502020204030204" pitchFamily="34" charset="0"/>
+                        </a:rPr>
+                        <a:t>) (x+1,y) (x,y+1) (x+1,y+1)</a:t>
+                      </a:r>
+                      <a:endParaRPr lang="zh-CN" altLang="zh-CN" sz="2400" kern="100" dirty="0">
+                        <a:effectLst/>
+                        <a:latin typeface="Calibri" panose="020F0502020204030204" pitchFamily="34" charset="0"/>
+                        <a:ea typeface="+mn-ea"/>
+                        <a:cs typeface="Calibri" panose="020F0502020204030204" pitchFamily="34" charset="0"/>
+                      </a:endParaRPr>
+                    </a:p>
+                  </a:txBody>
+                  <a:tcPr marL="68580" marR="68580" marT="0" marB="0" anchor="ctr">
+                    <a:lnL w="12700" cap="flat" cmpd="sng" algn="ctr">
+                      <a:solidFill>
+                        <a:srgbClr val="000000"/>
+                      </a:solidFill>
+                      <a:prstDash val="solid"/>
+                      <a:round/>
+                      <a:headEnd type="none" w="med" len="med"/>
+                      <a:tailEnd type="none" w="med" len="med"/>
+                    </a:lnL>
+                    <a:lnR w="12700" cap="flat" cmpd="sng" algn="ctr">
+                      <a:solidFill>
+                        <a:srgbClr val="000000"/>
+                      </a:solidFill>
+                      <a:prstDash val="solid"/>
+                      <a:round/>
+                      <a:headEnd type="none" w="med" len="med"/>
+                      <a:tailEnd type="none" w="med" len="med"/>
+                    </a:lnR>
+                    <a:lnT w="12700" cap="flat" cmpd="sng" algn="ctr">
+                      <a:solidFill>
+                        <a:srgbClr val="000000"/>
+                      </a:solidFill>
+                      <a:prstDash val="solid"/>
+                      <a:round/>
+                      <a:headEnd type="none" w="med" len="med"/>
+                      <a:tailEnd type="none" w="med" len="med"/>
+                    </a:lnT>
+                    <a:lnB w="12700" cap="flat" cmpd="sng" algn="ctr">
+                      <a:solidFill>
+                        <a:srgbClr val="000000"/>
+                      </a:solidFill>
+                      <a:prstDash val="solid"/>
+                      <a:round/>
+                      <a:headEnd type="none" w="med" len="med"/>
+                      <a:tailEnd type="none" w="med" len="med"/>
+                    </a:lnB>
+                  </a:tcPr>
+                </a:tc>
+                <a:extLst>
+                  <a:ext uri="{0D108BD9-81ED-4DB2-BD59-A6C34878D82A}">
+                    <a16:rowId xmlns:a16="http://schemas.microsoft.com/office/drawing/2014/main" val="1139575252"/>
+                  </a:ext>
+                </a:extLst>
+              </a:tr>
+              <a:tr h="872309">
+                <a:tc>
+                  <a:txBody>
+                    <a:bodyPr/>
+                    <a:lstStyle/>
+                    <a:p>
+                      <a:pPr algn="just">
+                        <a:spcAft>
+                          <a:spcPts val="0"/>
+                        </a:spcAft>
+                      </a:pPr>
+                      <a:r>
+                        <a:rPr lang="en-US" sz="2400" kern="100" dirty="0">
+                          <a:effectLst/>
+                          <a:latin typeface="Calibri" panose="020F0502020204030204" pitchFamily="34" charset="0"/>
+                          <a:ea typeface="等线" panose="02010600030101010101" pitchFamily="2" charset="-122"/>
+                          <a:cs typeface="Calibri" panose="020F0502020204030204" pitchFamily="34" charset="0"/>
+                        </a:rPr>
+                        <a:t>Farm </a:t>
+                      </a:r>
+                      <a:endParaRPr lang="zh-CN" sz="2400" kern="100" dirty="0">
+                        <a:effectLst/>
+                        <a:latin typeface="Calibri" panose="020F0502020204030204" pitchFamily="34" charset="0"/>
+                        <a:ea typeface="等线" panose="02010600030101010101" pitchFamily="2" charset="-122"/>
+                        <a:cs typeface="Calibri" panose="020F0502020204030204" pitchFamily="34" charset="0"/>
+                      </a:endParaRPr>
+                    </a:p>
+                  </a:txBody>
+                  <a:tcPr marL="68580" marR="68580" marT="0" marB="0">
+                    <a:lnL w="12700" cap="flat" cmpd="sng" algn="ctr">
+                      <a:solidFill>
+                        <a:srgbClr val="000000"/>
+                      </a:solidFill>
+                      <a:prstDash val="solid"/>
+                      <a:round/>
+                      <a:headEnd type="none" w="med" len="med"/>
+                      <a:tailEnd type="none" w="med" len="med"/>
+                    </a:lnL>
+                    <a:lnR w="12700" cap="flat" cmpd="sng" algn="ctr">
+                      <a:solidFill>
+                        <a:srgbClr val="000000"/>
+                      </a:solidFill>
+                      <a:prstDash val="solid"/>
+                      <a:round/>
+                      <a:headEnd type="none" w="med" len="med"/>
+                      <a:tailEnd type="none" w="med" len="med"/>
+                    </a:lnR>
+                    <a:lnT w="12700" cap="flat" cmpd="sng" algn="ctr">
+                      <a:solidFill>
+                        <a:srgbClr val="000000"/>
+                      </a:solidFill>
+                      <a:prstDash val="solid"/>
+                      <a:round/>
+                      <a:headEnd type="none" w="med" len="med"/>
+                      <a:tailEnd type="none" w="med" len="med"/>
+                    </a:lnT>
+                    <a:lnB w="12700" cap="flat" cmpd="sng" algn="ctr">
+                      <a:solidFill>
+                        <a:srgbClr val="000000"/>
+                      </a:solidFill>
+                      <a:prstDash val="solid"/>
+                      <a:round/>
+                      <a:headEnd type="none" w="med" len="med"/>
+                      <a:tailEnd type="none" w="med" len="med"/>
+                    </a:lnB>
+                  </a:tcPr>
+                </a:tc>
+                <a:tc>
+                  <a:txBody>
+                    <a:bodyPr/>
+                    <a:lstStyle/>
+                    <a:p>
+                      <a:pPr algn="just">
+                        <a:spcAft>
+                          <a:spcPts val="0"/>
+                        </a:spcAft>
+                      </a:pPr>
+                      <a:endParaRPr lang="zh-CN" sz="2400" kern="100">
+                        <a:effectLst/>
+                        <a:latin typeface="Calibri" panose="020F0502020204030204" pitchFamily="34" charset="0"/>
+                        <a:ea typeface="等线" panose="02010600030101010101" pitchFamily="2" charset="-122"/>
+                        <a:cs typeface="Calibri" panose="020F0502020204030204" pitchFamily="34" charset="0"/>
+                      </a:endParaRPr>
+                    </a:p>
+                  </a:txBody>
+                  <a:tcPr marL="68580" marR="68580" marT="0" marB="0">
+                    <a:lnL w="12700" cap="flat" cmpd="sng" algn="ctr">
+                      <a:solidFill>
+                        <a:srgbClr val="000000"/>
+                      </a:solidFill>
+                      <a:prstDash val="solid"/>
+                      <a:round/>
+                      <a:headEnd type="none" w="med" len="med"/>
+                      <a:tailEnd type="none" w="med" len="med"/>
+                    </a:lnL>
+                    <a:lnR w="12700" cap="flat" cmpd="sng" algn="ctr">
+                      <a:solidFill>
+                        <a:srgbClr val="000000"/>
+                      </a:solidFill>
+                      <a:prstDash val="solid"/>
+                      <a:round/>
+                      <a:headEnd type="none" w="med" len="med"/>
+                      <a:tailEnd type="none" w="med" len="med"/>
+                    </a:lnR>
+                    <a:lnT w="12700" cap="flat" cmpd="sng" algn="ctr">
+                      <a:solidFill>
+                        <a:srgbClr val="000000"/>
+                      </a:solidFill>
+                      <a:prstDash val="solid"/>
+                      <a:round/>
+                      <a:headEnd type="none" w="med" len="med"/>
+                      <a:tailEnd type="none" w="med" len="med"/>
+                    </a:lnT>
+                    <a:lnB w="12700" cap="flat" cmpd="sng" algn="ctr">
+                      <a:solidFill>
+                        <a:srgbClr val="000000"/>
+                      </a:solidFill>
+                      <a:prstDash val="solid"/>
+                      <a:round/>
+                      <a:headEnd type="none" w="med" len="med"/>
+                      <a:tailEnd type="none" w="med" len="med"/>
+                    </a:lnB>
+                  </a:tcPr>
+                </a:tc>
+                <a:tc>
+                  <a:txBody>
+                    <a:bodyPr/>
+                    <a:lstStyle/>
+                    <a:p>
+                      <a:pPr algn="ctr">
+                        <a:spcAft>
+                          <a:spcPts val="0"/>
+                        </a:spcAft>
+                      </a:pPr>
+                      <a:r>
+                        <a:rPr lang="en-US" altLang="zh-CN" sz="2400" kern="100" dirty="0">
+                          <a:effectLst/>
+                          <a:latin typeface="Calibri" panose="020F0502020204030204" pitchFamily="34" charset="0"/>
+                          <a:ea typeface="等线" panose="02010600030101010101" pitchFamily="2" charset="-122"/>
+                          <a:cs typeface="Calibri" panose="020F0502020204030204" pitchFamily="34" charset="0"/>
+                        </a:rPr>
+                        <a:t>2</a:t>
+                      </a:r>
+                      <a:endParaRPr lang="zh-CN" sz="2400" kern="100" dirty="0">
+                        <a:effectLst/>
+                        <a:latin typeface="Calibri" panose="020F0502020204030204" pitchFamily="34" charset="0"/>
+                        <a:ea typeface="等线" panose="02010600030101010101" pitchFamily="2" charset="-122"/>
+                        <a:cs typeface="Calibri" panose="020F0502020204030204" pitchFamily="34" charset="0"/>
+                      </a:endParaRPr>
+                    </a:p>
+                  </a:txBody>
+                  <a:tcPr marL="68580" marR="68580" marT="0" marB="0" anchor="ctr">
+                    <a:lnL w="12700" cap="flat" cmpd="sng" algn="ctr">
+                      <a:solidFill>
+                        <a:srgbClr val="000000"/>
+                      </a:solidFill>
+                      <a:prstDash val="solid"/>
+                      <a:round/>
+                      <a:headEnd type="none" w="med" len="med"/>
+                      <a:tailEnd type="none" w="med" len="med"/>
+                    </a:lnL>
+                    <a:lnR w="12700" cap="flat" cmpd="sng" algn="ctr">
+                      <a:solidFill>
+                        <a:srgbClr val="000000"/>
+                      </a:solidFill>
+                      <a:prstDash val="solid"/>
+                      <a:round/>
+                      <a:headEnd type="none" w="med" len="med"/>
+                      <a:tailEnd type="none" w="med" len="med"/>
+                    </a:lnR>
+                    <a:lnT w="12700" cap="flat" cmpd="sng" algn="ctr">
+                      <a:solidFill>
+                        <a:srgbClr val="000000"/>
+                      </a:solidFill>
+                      <a:prstDash val="solid"/>
+                      <a:round/>
+                      <a:headEnd type="none" w="med" len="med"/>
+                      <a:tailEnd type="none" w="med" len="med"/>
+                    </a:lnT>
+                    <a:lnB w="12700" cap="flat" cmpd="sng" algn="ctr">
+                      <a:solidFill>
+                        <a:srgbClr val="000000"/>
+                      </a:solidFill>
+                      <a:prstDash val="solid"/>
+                      <a:round/>
+                      <a:headEnd type="none" w="med" len="med"/>
+                      <a:tailEnd type="none" w="med" len="med"/>
+                    </a:lnB>
+                  </a:tcPr>
+                </a:tc>
+                <a:tc>
+                  <a:txBody>
+                    <a:bodyPr/>
+                    <a:lstStyle/>
+                    <a:p>
+                      <a:pPr algn="ctr">
+                        <a:spcAft>
+                          <a:spcPts val="0"/>
+                        </a:spcAft>
+                      </a:pPr>
+                      <a:r>
+                        <a:rPr lang="en-US" altLang="zh-CN" sz="2400" kern="100" dirty="0">
+                          <a:effectLst/>
+                          <a:latin typeface="Calibri" panose="020F0502020204030204" pitchFamily="34" charset="0"/>
+                          <a:ea typeface="+mn-ea"/>
+                          <a:cs typeface="Calibri" panose="020F0502020204030204" pitchFamily="34" charset="0"/>
+                        </a:rPr>
+                        <a:t>(</a:t>
+                      </a:r>
+                      <a:r>
+                        <a:rPr lang="en-US" altLang="zh-CN" sz="2400" kern="100" dirty="0" err="1">
+                          <a:effectLst/>
+                          <a:latin typeface="Calibri" panose="020F0502020204030204" pitchFamily="34" charset="0"/>
+                          <a:ea typeface="+mn-ea"/>
+                          <a:cs typeface="Calibri" panose="020F0502020204030204" pitchFamily="34" charset="0"/>
+                        </a:rPr>
+                        <a:t>x,y</a:t>
+                      </a:r>
+                      <a:r>
+                        <a:rPr lang="en-US" altLang="zh-CN" sz="2400" kern="100" dirty="0">
+                          <a:effectLst/>
+                          <a:latin typeface="Calibri" panose="020F0502020204030204" pitchFamily="34" charset="0"/>
+                          <a:ea typeface="+mn-ea"/>
+                          <a:cs typeface="Calibri" panose="020F0502020204030204" pitchFamily="34" charset="0"/>
+                        </a:rPr>
+                        <a:t>) (x+1,y) </a:t>
+                      </a:r>
+                      <a:endParaRPr lang="zh-CN" sz="2400" kern="100" dirty="0">
+                        <a:effectLst/>
+                        <a:latin typeface="Calibri" panose="020F0502020204030204" pitchFamily="34" charset="0"/>
+                        <a:ea typeface="等线" panose="02010600030101010101" pitchFamily="2" charset="-122"/>
+                        <a:cs typeface="Calibri" panose="020F0502020204030204" pitchFamily="34" charset="0"/>
+                      </a:endParaRPr>
+                    </a:p>
+                  </a:txBody>
+                  <a:tcPr marL="68580" marR="68580" marT="0" marB="0" anchor="ctr">
+                    <a:lnL w="12700" cap="flat" cmpd="sng" algn="ctr">
+                      <a:solidFill>
+                        <a:srgbClr val="000000"/>
+                      </a:solidFill>
+                      <a:prstDash val="solid"/>
+                      <a:round/>
+                      <a:headEnd type="none" w="med" len="med"/>
+                      <a:tailEnd type="none" w="med" len="med"/>
+                    </a:lnL>
+                    <a:lnR w="12700" cap="flat" cmpd="sng" algn="ctr">
+                      <a:solidFill>
+                        <a:srgbClr val="000000"/>
+                      </a:solidFill>
+                      <a:prstDash val="solid"/>
+                      <a:round/>
+                      <a:headEnd type="none" w="med" len="med"/>
+                      <a:tailEnd type="none" w="med" len="med"/>
+                    </a:lnR>
+                    <a:lnT w="12700" cap="flat" cmpd="sng" algn="ctr">
+                      <a:solidFill>
+                        <a:srgbClr val="000000"/>
+                      </a:solidFill>
+                      <a:prstDash val="solid"/>
+                      <a:round/>
+                      <a:headEnd type="none" w="med" len="med"/>
+                      <a:tailEnd type="none" w="med" len="med"/>
+                    </a:lnT>
+                    <a:lnB w="12700" cap="flat" cmpd="sng" algn="ctr">
+                      <a:solidFill>
+                        <a:srgbClr val="000000"/>
+                      </a:solidFill>
+                      <a:prstDash val="solid"/>
+                      <a:round/>
+                      <a:headEnd type="none" w="med" len="med"/>
+                      <a:tailEnd type="none" w="med" len="med"/>
+                    </a:lnB>
+                  </a:tcPr>
+                </a:tc>
+                <a:extLst>
+                  <a:ext uri="{0D108BD9-81ED-4DB2-BD59-A6C34878D82A}">
+                    <a16:rowId xmlns:a16="http://schemas.microsoft.com/office/drawing/2014/main" val="182730895"/>
+                  </a:ext>
+                </a:extLst>
+              </a:tr>
+              <a:tr h="872309">
+                <a:tc>
+                  <a:txBody>
+                    <a:bodyPr/>
+                    <a:lstStyle/>
+                    <a:p>
+                      <a:pPr algn="just">
+                        <a:spcAft>
+                          <a:spcPts val="0"/>
+                        </a:spcAft>
+                      </a:pPr>
+                      <a:r>
+                        <a:rPr lang="en-US" sz="2400" kern="100">
+                          <a:effectLst/>
+                          <a:latin typeface="Calibri" panose="020F0502020204030204" pitchFamily="34" charset="0"/>
+                          <a:ea typeface="等线" panose="02010600030101010101" pitchFamily="2" charset="-122"/>
+                          <a:cs typeface="Calibri" panose="020F0502020204030204" pitchFamily="34" charset="0"/>
+                        </a:rPr>
+                        <a:t>Construction Site</a:t>
+                      </a:r>
+                      <a:endParaRPr lang="zh-CN" sz="2400" kern="100">
+                        <a:effectLst/>
+                        <a:latin typeface="Calibri" panose="020F0502020204030204" pitchFamily="34" charset="0"/>
+                        <a:ea typeface="等线" panose="02010600030101010101" pitchFamily="2" charset="-122"/>
+                        <a:cs typeface="Calibri" panose="020F0502020204030204" pitchFamily="34" charset="0"/>
+                      </a:endParaRPr>
+                    </a:p>
+                  </a:txBody>
+                  <a:tcPr marL="68580" marR="68580" marT="0" marB="0">
+                    <a:lnL w="12700" cap="flat" cmpd="sng" algn="ctr">
+                      <a:solidFill>
+                        <a:srgbClr val="000000"/>
+                      </a:solidFill>
+                      <a:prstDash val="solid"/>
+                      <a:round/>
+                      <a:headEnd type="none" w="med" len="med"/>
+                      <a:tailEnd type="none" w="med" len="med"/>
+                    </a:lnL>
+                    <a:lnR w="12700" cap="flat" cmpd="sng" algn="ctr">
+                      <a:solidFill>
+                        <a:srgbClr val="000000"/>
+                      </a:solidFill>
+                      <a:prstDash val="solid"/>
+                      <a:round/>
+                      <a:headEnd type="none" w="med" len="med"/>
+                      <a:tailEnd type="none" w="med" len="med"/>
+                    </a:lnR>
+                    <a:lnT w="12700" cap="flat" cmpd="sng" algn="ctr">
+                      <a:solidFill>
+                        <a:srgbClr val="000000"/>
+                      </a:solidFill>
+                      <a:prstDash val="solid"/>
+                      <a:round/>
+                      <a:headEnd type="none" w="med" len="med"/>
+                      <a:tailEnd type="none" w="med" len="med"/>
+                    </a:lnT>
+                    <a:lnB w="12700" cap="flat" cmpd="sng" algn="ctr">
+                      <a:solidFill>
+                        <a:srgbClr val="000000"/>
+                      </a:solidFill>
+                      <a:prstDash val="solid"/>
+                      <a:round/>
+                      <a:headEnd type="none" w="med" len="med"/>
+                      <a:tailEnd type="none" w="med" len="med"/>
+                    </a:lnB>
+                  </a:tcPr>
+                </a:tc>
+                <a:tc>
+                  <a:txBody>
+                    <a:bodyPr/>
+                    <a:lstStyle/>
+                    <a:p>
+                      <a:pPr algn="just">
+                        <a:spcAft>
+                          <a:spcPts val="0"/>
+                        </a:spcAft>
+                      </a:pPr>
+                      <a:endParaRPr lang="zh-CN" sz="2400" kern="100">
+                        <a:effectLst/>
+                        <a:latin typeface="Calibri" panose="020F0502020204030204" pitchFamily="34" charset="0"/>
+                        <a:ea typeface="等线" panose="02010600030101010101" pitchFamily="2" charset="-122"/>
+                        <a:cs typeface="Calibri" panose="020F0502020204030204" pitchFamily="34" charset="0"/>
+                      </a:endParaRPr>
+                    </a:p>
+                  </a:txBody>
+                  <a:tcPr marL="68580" marR="68580" marT="0" marB="0">
+                    <a:lnL w="12700" cap="flat" cmpd="sng" algn="ctr">
+                      <a:solidFill>
+                        <a:srgbClr val="000000"/>
+                      </a:solidFill>
+                      <a:prstDash val="solid"/>
+                      <a:round/>
+                      <a:headEnd type="none" w="med" len="med"/>
+                      <a:tailEnd type="none" w="med" len="med"/>
+                    </a:lnL>
+                    <a:lnR w="12700" cap="flat" cmpd="sng" algn="ctr">
+                      <a:solidFill>
+                        <a:srgbClr val="000000"/>
+                      </a:solidFill>
+                      <a:prstDash val="solid"/>
+                      <a:round/>
+                      <a:headEnd type="none" w="med" len="med"/>
+                      <a:tailEnd type="none" w="med" len="med"/>
+                    </a:lnR>
+                    <a:lnT w="12700" cap="flat" cmpd="sng" algn="ctr">
+                      <a:solidFill>
+                        <a:srgbClr val="000000"/>
+                      </a:solidFill>
+                      <a:prstDash val="solid"/>
+                      <a:round/>
+                      <a:headEnd type="none" w="med" len="med"/>
+                      <a:tailEnd type="none" w="med" len="med"/>
+                    </a:lnT>
+                    <a:lnB w="12700" cap="flat" cmpd="sng" algn="ctr">
+                      <a:solidFill>
+                        <a:srgbClr val="000000"/>
+                      </a:solidFill>
+                      <a:prstDash val="solid"/>
+                      <a:round/>
+                      <a:headEnd type="none" w="med" len="med"/>
+                      <a:tailEnd type="none" w="med" len="med"/>
+                    </a:lnB>
+                  </a:tcPr>
+                </a:tc>
+                <a:tc>
+                  <a:txBody>
+                    <a:bodyPr/>
+                    <a:lstStyle/>
+                    <a:p>
+                      <a:pPr algn="ctr">
+                        <a:spcAft>
+                          <a:spcPts val="0"/>
+                        </a:spcAft>
+                      </a:pPr>
+                      <a:r>
+                        <a:rPr lang="en-US" altLang="zh-CN" sz="2400" kern="100" dirty="0">
+                          <a:effectLst/>
+                          <a:latin typeface="Calibri" panose="020F0502020204030204" pitchFamily="34" charset="0"/>
+                          <a:ea typeface="等线" panose="02010600030101010101" pitchFamily="2" charset="-122"/>
+                          <a:cs typeface="Calibri" panose="020F0502020204030204" pitchFamily="34" charset="0"/>
+                        </a:rPr>
+                        <a:t>2</a:t>
+                      </a:r>
+                      <a:endParaRPr lang="zh-CN" sz="2400" kern="100" dirty="0">
+                        <a:effectLst/>
+                        <a:latin typeface="Calibri" panose="020F0502020204030204" pitchFamily="34" charset="0"/>
+                        <a:ea typeface="等线" panose="02010600030101010101" pitchFamily="2" charset="-122"/>
+                        <a:cs typeface="Calibri" panose="020F0502020204030204" pitchFamily="34" charset="0"/>
+                      </a:endParaRPr>
+                    </a:p>
+                  </a:txBody>
+                  <a:tcPr marL="68580" marR="68580" marT="0" marB="0" anchor="ctr">
+                    <a:lnL w="12700" cap="flat" cmpd="sng" algn="ctr">
+                      <a:solidFill>
+                        <a:srgbClr val="000000"/>
+                      </a:solidFill>
+                      <a:prstDash val="solid"/>
+                      <a:round/>
+                      <a:headEnd type="none" w="med" len="med"/>
+                      <a:tailEnd type="none" w="med" len="med"/>
+                    </a:lnL>
+                    <a:lnR w="12700" cap="flat" cmpd="sng" algn="ctr">
+                      <a:solidFill>
+                        <a:srgbClr val="000000"/>
+                      </a:solidFill>
+                      <a:prstDash val="solid"/>
+                      <a:round/>
+                      <a:headEnd type="none" w="med" len="med"/>
+                      <a:tailEnd type="none" w="med" len="med"/>
+                    </a:lnR>
+                    <a:lnT w="12700" cap="flat" cmpd="sng" algn="ctr">
+                      <a:solidFill>
+                        <a:srgbClr val="000000"/>
+                      </a:solidFill>
+                      <a:prstDash val="solid"/>
+                      <a:round/>
+                      <a:headEnd type="none" w="med" len="med"/>
+                      <a:tailEnd type="none" w="med" len="med"/>
+                    </a:lnT>
+                    <a:lnB w="12700" cap="flat" cmpd="sng" algn="ctr">
+                      <a:solidFill>
+                        <a:srgbClr val="000000"/>
+                      </a:solidFill>
+                      <a:prstDash val="solid"/>
+                      <a:round/>
+                      <a:headEnd type="none" w="med" len="med"/>
+                      <a:tailEnd type="none" w="med" len="med"/>
+                    </a:lnB>
+                  </a:tcPr>
+                </a:tc>
+                <a:tc>
+                  <a:txBody>
+                    <a:bodyPr/>
+                    <a:lstStyle/>
+                    <a:p>
+                      <a:pPr algn="ctr">
+                        <a:spcAft>
+                          <a:spcPts val="0"/>
+                        </a:spcAft>
+                      </a:pPr>
+                      <a:r>
+                        <a:rPr lang="en-US" altLang="zh-CN" sz="2400" kern="100" dirty="0">
+                          <a:effectLst/>
+                          <a:latin typeface="Calibri" panose="020F0502020204030204" pitchFamily="34" charset="0"/>
+                          <a:ea typeface="+mn-ea"/>
+                          <a:cs typeface="Calibri" panose="020F0502020204030204" pitchFamily="34" charset="0"/>
+                        </a:rPr>
+                        <a:t>(</a:t>
+                      </a:r>
+                      <a:r>
+                        <a:rPr lang="en-US" altLang="zh-CN" sz="2400" kern="100" dirty="0" err="1">
+                          <a:effectLst/>
+                          <a:latin typeface="Calibri" panose="020F0502020204030204" pitchFamily="34" charset="0"/>
+                          <a:ea typeface="+mn-ea"/>
+                          <a:cs typeface="Calibri" panose="020F0502020204030204" pitchFamily="34" charset="0"/>
+                        </a:rPr>
+                        <a:t>x,y</a:t>
+                      </a:r>
+                      <a:r>
+                        <a:rPr lang="en-US" altLang="zh-CN" sz="2400" kern="100" dirty="0">
+                          <a:effectLst/>
+                          <a:latin typeface="Calibri" panose="020F0502020204030204" pitchFamily="34" charset="0"/>
+                          <a:ea typeface="+mn-ea"/>
+                          <a:cs typeface="Calibri" panose="020F0502020204030204" pitchFamily="34" charset="0"/>
+                        </a:rPr>
+                        <a:t>) (x+1,y) </a:t>
+                      </a:r>
+                      <a:endParaRPr lang="zh-CN" sz="2400" kern="100" dirty="0">
+                        <a:effectLst/>
+                        <a:latin typeface="Calibri" panose="020F0502020204030204" pitchFamily="34" charset="0"/>
+                        <a:ea typeface="等线" panose="02010600030101010101" pitchFamily="2" charset="-122"/>
+                        <a:cs typeface="Calibri" panose="020F0502020204030204" pitchFamily="34" charset="0"/>
+                      </a:endParaRPr>
+                    </a:p>
+                  </a:txBody>
+                  <a:tcPr marL="68580" marR="68580" marT="0" marB="0" anchor="ctr">
+                    <a:lnL w="12700" cap="flat" cmpd="sng" algn="ctr">
+                      <a:solidFill>
+                        <a:srgbClr val="000000"/>
+                      </a:solidFill>
+                      <a:prstDash val="solid"/>
+                      <a:round/>
+                      <a:headEnd type="none" w="med" len="med"/>
+                      <a:tailEnd type="none" w="med" len="med"/>
+                    </a:lnL>
+                    <a:lnR w="12700" cap="flat" cmpd="sng" algn="ctr">
+                      <a:solidFill>
+                        <a:srgbClr val="000000"/>
+                      </a:solidFill>
+                      <a:prstDash val="solid"/>
+                      <a:round/>
+                      <a:headEnd type="none" w="med" len="med"/>
+                      <a:tailEnd type="none" w="med" len="med"/>
+                    </a:lnR>
+                    <a:lnT w="12700" cap="flat" cmpd="sng" algn="ctr">
+                      <a:solidFill>
+                        <a:srgbClr val="000000"/>
+                      </a:solidFill>
+                      <a:prstDash val="solid"/>
+                      <a:round/>
+                      <a:headEnd type="none" w="med" len="med"/>
+                      <a:tailEnd type="none" w="med" len="med"/>
+                    </a:lnT>
+                    <a:lnB w="12700" cap="flat" cmpd="sng" algn="ctr">
+                      <a:solidFill>
+                        <a:srgbClr val="000000"/>
+                      </a:solidFill>
+                      <a:prstDash val="solid"/>
+                      <a:round/>
+                      <a:headEnd type="none" w="med" len="med"/>
+                      <a:tailEnd type="none" w="med" len="med"/>
+                    </a:lnB>
+                  </a:tcPr>
+                </a:tc>
+                <a:extLst>
+                  <a:ext uri="{0D108BD9-81ED-4DB2-BD59-A6C34878D82A}">
+                    <a16:rowId xmlns:a16="http://schemas.microsoft.com/office/drawing/2014/main" val="253502130"/>
+                  </a:ext>
+                </a:extLst>
+              </a:tr>
+            </a:tbl>
+          </a:graphicData>
+        </a:graphic>
+      </p:graphicFrame>
+      <p:pic>
+        <p:nvPicPr>
+          <p:cNvPr id="7" name="图片 6">
+            <a:extLst>
+              <a:ext uri="{FF2B5EF4-FFF2-40B4-BE49-F238E27FC236}">
+                <a16:creationId xmlns:a16="http://schemas.microsoft.com/office/drawing/2014/main" id="{44BBB266-BE53-4FA8-9A48-E333AD8B1503}"/>
+              </a:ext>
+            </a:extLst>
+          </p:cNvPr>
+          <p:cNvPicPr>
+            <a:picLocks noChangeAspect="1"/>
+          </p:cNvPicPr>
+          <p:nvPr/>
+        </p:nvPicPr>
+        <p:blipFill>
+          <a:blip r:embed="rId2">
+            <a:extLst>
+              <a:ext uri="{28A0092B-C50C-407E-A947-70E740481C1C}">
+                <a14:useLocalDpi xmlns:a14="http://schemas.microsoft.com/office/drawing/2010/main" val="0"/>
+              </a:ext>
+            </a:extLst>
+          </a:blip>
+          <a:stretch>
+            <a:fillRect/>
+          </a:stretch>
+        </p:blipFill>
+        <p:spPr>
+          <a:xfrm>
+            <a:off x="3360491" y="1254811"/>
+            <a:ext cx="1142857" cy="812698"/>
+          </a:xfrm>
+          <a:prstGeom prst="rect">
+            <a:avLst/>
+          </a:prstGeom>
+        </p:spPr>
+      </p:pic>
+      <p:pic>
+        <p:nvPicPr>
+          <p:cNvPr id="11" name="图片 10">
+            <a:extLst>
+              <a:ext uri="{FF2B5EF4-FFF2-40B4-BE49-F238E27FC236}">
+                <a16:creationId xmlns:a16="http://schemas.microsoft.com/office/drawing/2014/main" id="{01A29B08-8B4F-4F25-933E-DCC144CD6445}"/>
+              </a:ext>
+            </a:extLst>
+          </p:cNvPr>
+          <p:cNvPicPr>
+            <a:picLocks noChangeAspect="1"/>
+          </p:cNvPicPr>
+          <p:nvPr/>
+        </p:nvPicPr>
+        <p:blipFill>
+          <a:blip r:embed="rId3">
+            <a:extLst>
+              <a:ext uri="{28A0092B-C50C-407E-A947-70E740481C1C}">
+                <a14:useLocalDpi xmlns:a14="http://schemas.microsoft.com/office/drawing/2010/main" val="0"/>
+              </a:ext>
+            </a:extLst>
+          </a:blip>
+          <a:stretch>
+            <a:fillRect/>
+          </a:stretch>
+        </p:blipFill>
+        <p:spPr>
+          <a:xfrm>
+            <a:off x="3382325" y="2137252"/>
+            <a:ext cx="1142857" cy="850341"/>
+          </a:xfrm>
+          <a:prstGeom prst="rect">
+            <a:avLst/>
+          </a:prstGeom>
+        </p:spPr>
+      </p:pic>
+      <p:pic>
+        <p:nvPicPr>
+          <p:cNvPr id="17" name="图片 16">
+            <a:extLst>
+              <a:ext uri="{FF2B5EF4-FFF2-40B4-BE49-F238E27FC236}">
+                <a16:creationId xmlns:a16="http://schemas.microsoft.com/office/drawing/2014/main" id="{FB90D2D6-BE31-4101-A860-26CB8D81C8B7}"/>
+              </a:ext>
+            </a:extLst>
+          </p:cNvPr>
+          <p:cNvPicPr>
+            <a:picLocks noChangeAspect="1"/>
+          </p:cNvPicPr>
+          <p:nvPr/>
+        </p:nvPicPr>
+        <p:blipFill>
+          <a:blip r:embed="rId4">
+            <a:extLst>
+              <a:ext uri="{28A0092B-C50C-407E-A947-70E740481C1C}">
+                <a14:useLocalDpi xmlns:a14="http://schemas.microsoft.com/office/drawing/2010/main" val="0"/>
+              </a:ext>
+            </a:extLst>
+          </a:blip>
+          <a:stretch>
+            <a:fillRect/>
+          </a:stretch>
+        </p:blipFill>
+        <p:spPr>
+          <a:xfrm>
+            <a:off x="3360491" y="3024612"/>
+            <a:ext cx="1313071" cy="808776"/>
+          </a:xfrm>
+          <a:prstGeom prst="rect">
+            <a:avLst/>
+          </a:prstGeom>
+        </p:spPr>
+      </p:pic>
+      <p:pic>
+        <p:nvPicPr>
+          <p:cNvPr id="21" name="图片 20">
+            <a:extLst>
+              <a:ext uri="{FF2B5EF4-FFF2-40B4-BE49-F238E27FC236}">
+                <a16:creationId xmlns:a16="http://schemas.microsoft.com/office/drawing/2014/main" id="{957B512D-CD88-4380-A718-D85D12DBE624}"/>
+              </a:ext>
+            </a:extLst>
+          </p:cNvPr>
+          <p:cNvPicPr>
+            <a:picLocks noChangeAspect="1"/>
+          </p:cNvPicPr>
+          <p:nvPr/>
+        </p:nvPicPr>
+        <p:blipFill>
+          <a:blip r:embed="rId5">
+            <a:extLst>
+              <a:ext uri="{28A0092B-C50C-407E-A947-70E740481C1C}">
+                <a14:useLocalDpi xmlns:a14="http://schemas.microsoft.com/office/drawing/2010/main" val="0"/>
+              </a:ext>
+            </a:extLst>
+          </a:blip>
+          <a:stretch>
+            <a:fillRect/>
+          </a:stretch>
+        </p:blipFill>
+        <p:spPr>
+          <a:xfrm>
+            <a:off x="3238861" y="5539522"/>
+            <a:ext cx="1386115" cy="942558"/>
+          </a:xfrm>
+          <a:prstGeom prst="rect">
+            <a:avLst/>
+          </a:prstGeom>
+        </p:spPr>
+      </p:pic>
+      <p:pic>
+        <p:nvPicPr>
+          <p:cNvPr id="23" name="图片 22">
+            <a:extLst>
+              <a:ext uri="{FF2B5EF4-FFF2-40B4-BE49-F238E27FC236}">
+                <a16:creationId xmlns:a16="http://schemas.microsoft.com/office/drawing/2014/main" id="{78CB3269-152E-406B-A68E-66605DA7CDE2}"/>
+              </a:ext>
+            </a:extLst>
+          </p:cNvPr>
+          <p:cNvPicPr>
+            <a:picLocks noChangeAspect="1"/>
+          </p:cNvPicPr>
+          <p:nvPr/>
+        </p:nvPicPr>
+        <p:blipFill>
+          <a:blip r:embed="rId6">
+            <a:extLst>
+              <a:ext uri="{28A0092B-C50C-407E-A947-70E740481C1C}">
+                <a14:useLocalDpi xmlns:a14="http://schemas.microsoft.com/office/drawing/2010/main" val="0"/>
+              </a:ext>
+            </a:extLst>
+          </a:blip>
+          <a:stretch>
+            <a:fillRect/>
+          </a:stretch>
+        </p:blipFill>
+        <p:spPr>
+          <a:xfrm>
+            <a:off x="3423945" y="4771431"/>
+            <a:ext cx="1186161" cy="768088"/>
+          </a:xfrm>
+          <a:prstGeom prst="rect">
+            <a:avLst/>
+          </a:prstGeom>
+        </p:spPr>
+      </p:pic>
+      <p:pic>
+        <p:nvPicPr>
+          <p:cNvPr id="18" name="图片 17">
+            <a:extLst>
+              <a:ext uri="{FF2B5EF4-FFF2-40B4-BE49-F238E27FC236}">
+                <a16:creationId xmlns:a16="http://schemas.microsoft.com/office/drawing/2014/main" id="{7E48DBF3-75DB-4FD3-9440-BA6FDDC15E41}"/>
+              </a:ext>
+            </a:extLst>
+          </p:cNvPr>
+          <p:cNvPicPr>
+            <a:picLocks noChangeAspect="1"/>
+          </p:cNvPicPr>
+          <p:nvPr/>
+        </p:nvPicPr>
+        <p:blipFill>
+          <a:blip r:embed="rId7">
+            <a:extLst>
+              <a:ext uri="{28A0092B-C50C-407E-A947-70E740481C1C}">
+                <a14:useLocalDpi xmlns:a14="http://schemas.microsoft.com/office/drawing/2010/main" val="0"/>
+              </a:ext>
+            </a:extLst>
+          </a:blip>
+          <a:stretch>
+            <a:fillRect/>
+          </a:stretch>
+        </p:blipFill>
+        <p:spPr>
+          <a:xfrm>
+            <a:off x="3339862" y="3875206"/>
+            <a:ext cx="1227781" cy="818521"/>
+          </a:xfrm>
+          <a:prstGeom prst="rect">
+            <a:avLst/>
+          </a:prstGeom>
+        </p:spPr>
+      </p:pic>
+    </p:spTree>
+    <p:extLst>
+      <p:ext uri="{BB962C8B-B14F-4D97-AF65-F5344CB8AC3E}">
+        <p14:creationId xmlns:p14="http://schemas.microsoft.com/office/powerpoint/2010/main" val="1748356187"/>
+      </p:ext>
+    </p:extLst>
+  </p:cSld>
+  <p:clrMapOvr>
+    <a:masterClrMapping/>
+  </p:clrMapOvr>
+</p:sld>
+</file>
+
 <file path=ppt/theme/theme1.xml><?xml version="1.0" encoding="utf-8"?>
 <a:theme xmlns:a="http://schemas.openxmlformats.org/drawingml/2006/main" name="Office 主题​​">
   <a:themeElements>
